--- a/Project_Presentation.pptx
+++ b/Project_Presentation.pptx
@@ -824,7 +824,7 @@
   <p:cSld>
     <p:spTree>
       <p:nvGrpSpPr>
-        <p:cNvPr id="118" name="Shape 118"/>
+        <p:cNvPr id="120" name="Shape 120"/>
         <p:cNvGrpSpPr/>
         <p:nvPr/>
       </p:nvGrpSpPr>
@@ -838,7 +838,7 @@
       </p:grpSpPr>
       <p:sp>
         <p:nvSpPr>
-          <p:cNvPr id="119" name="Google Shape;119;ga390b6ced7_0_10:notes"/>
+          <p:cNvPr id="121" name="Google Shape;121;ga390b6ced7_0_42:notes"/>
           <p:cNvSpPr/>
           <p:nvPr>
             <p:ph idx="2" type="sldImg"/>
@@ -873,7 +873,7 @@
       </p:sp>
       <p:sp>
         <p:nvSpPr>
-          <p:cNvPr id="120" name="Google Shape;120;ga390b6ced7_0_10:notes"/>
+          <p:cNvPr id="122" name="Google Shape;122;ga390b6ced7_0_42:notes"/>
           <p:cNvSpPr txBox="1"/>
           <p:nvPr>
             <p:ph idx="1" type="body"/>
@@ -923,7 +923,7 @@
   <p:cSld>
     <p:spTree>
       <p:nvGrpSpPr>
-        <p:cNvPr id="124" name="Shape 124"/>
+        <p:cNvPr id="131" name="Shape 131"/>
         <p:cNvGrpSpPr/>
         <p:nvPr/>
       </p:nvGrpSpPr>
@@ -937,7 +937,7 @@
       </p:grpSpPr>
       <p:sp>
         <p:nvSpPr>
-          <p:cNvPr id="125" name="Google Shape;125;ga390b6ced7_0_42:notes"/>
+          <p:cNvPr id="132" name="Google Shape;132;ga390b6ced7_0_29:notes"/>
           <p:cNvSpPr/>
           <p:nvPr>
             <p:ph idx="2" type="sldImg"/>
@@ -972,7 +972,7 @@
       </p:sp>
       <p:sp>
         <p:nvSpPr>
-          <p:cNvPr id="126" name="Google Shape;126;ga390b6ced7_0_42:notes"/>
+          <p:cNvPr id="133" name="Google Shape;133;ga390b6ced7_0_29:notes"/>
           <p:cNvSpPr txBox="1"/>
           <p:nvPr>
             <p:ph idx="1" type="body"/>
@@ -1003,7 +1003,8 @@
               <a:buNone/>
             </a:pPr>
             <a:r>
-              <a:t/>
+              <a:rPr lang="en"/>
+              <a:t>Elon Musk positive tweets have an impact on the stock price (more polarity based on facts)</a:t>
             </a:r>
             <a:endParaRPr/>
           </a:p>
@@ -1022,7 +1023,7 @@
   <p:cSld>
     <p:spTree>
       <p:nvGrpSpPr>
-        <p:cNvPr id="135" name="Shape 135"/>
+        <p:cNvPr id="140" name="Shape 140"/>
         <p:cNvGrpSpPr/>
         <p:nvPr/>
       </p:nvGrpSpPr>
@@ -1036,7 +1037,7 @@
       </p:grpSpPr>
       <p:sp>
         <p:nvSpPr>
-          <p:cNvPr id="136" name="Google Shape;136;ga390b6ced7_0_29:notes"/>
+          <p:cNvPr id="141" name="Google Shape;141;ga390b6ced7_0_19:notes"/>
           <p:cNvSpPr/>
           <p:nvPr>
             <p:ph idx="2" type="sldImg"/>
@@ -1071,7 +1072,7 @@
       </p:sp>
       <p:sp>
         <p:nvSpPr>
-          <p:cNvPr id="137" name="Google Shape;137;ga390b6ced7_0_29:notes"/>
+          <p:cNvPr id="142" name="Google Shape;142;ga390b6ced7_0_19:notes"/>
           <p:cNvSpPr txBox="1"/>
           <p:nvPr>
             <p:ph idx="1" type="body"/>
@@ -1103,7 +1104,7 @@
             </a:pPr>
             <a:r>
               <a:rPr lang="en"/>
-              <a:t>Elon Musk positive tweets have an impact on the stock price (more polarity based on facts)</a:t>
+              <a:t>Correlation in the mass tweets is really geared toward the number or count of the total comments. </a:t>
             </a:r>
             <a:endParaRPr/>
           </a:p>
@@ -1122,7 +1123,7 @@
   <p:cSld>
     <p:spTree>
       <p:nvGrpSpPr>
-        <p:cNvPr id="144" name="Shape 144"/>
+        <p:cNvPr id="149" name="Shape 149"/>
         <p:cNvGrpSpPr/>
         <p:nvPr/>
       </p:nvGrpSpPr>
@@ -1136,7 +1137,7 @@
       </p:grpSpPr>
       <p:sp>
         <p:nvSpPr>
-          <p:cNvPr id="145" name="Google Shape;145;ga390b6ced7_0_19:notes"/>
+          <p:cNvPr id="150" name="Google Shape;150;g9d35cd0f6f_0_124:notes"/>
           <p:cNvSpPr/>
           <p:nvPr>
             <p:ph idx="2" type="sldImg"/>
@@ -1171,7 +1172,7 @@
       </p:sp>
       <p:sp>
         <p:nvSpPr>
-          <p:cNvPr id="146" name="Google Shape;146;ga390b6ced7_0_19:notes"/>
+          <p:cNvPr id="151" name="Google Shape;151;g9d35cd0f6f_0_124:notes"/>
           <p:cNvSpPr txBox="1"/>
           <p:nvPr>
             <p:ph idx="1" type="body"/>
@@ -1202,8 +1203,7 @@
               <a:buNone/>
             </a:pPr>
             <a:r>
-              <a:rPr lang="en"/>
-              <a:t>Correlation in the mass tweets is really geared toward the number or count of the total comments. </a:t>
+              <a:t/>
             </a:r>
             <a:endParaRPr/>
           </a:p>
@@ -1222,7 +1222,7 @@
   <p:cSld>
     <p:spTree>
       <p:nvGrpSpPr>
-        <p:cNvPr id="153" name="Shape 153"/>
+        <p:cNvPr id="156" name="Shape 156"/>
         <p:cNvGrpSpPr/>
         <p:nvPr/>
       </p:nvGrpSpPr>
@@ -1236,7 +1236,7 @@
       </p:grpSpPr>
       <p:sp>
         <p:nvSpPr>
-          <p:cNvPr id="154" name="Google Shape;154;g9d35cd0f6f_0_124:notes"/>
+          <p:cNvPr id="157" name="Google Shape;157;ga390b6ced7_2_7:notes"/>
           <p:cNvSpPr/>
           <p:nvPr>
             <p:ph idx="2" type="sldImg"/>
@@ -1271,7 +1271,7 @@
       </p:sp>
       <p:sp>
         <p:nvSpPr>
-          <p:cNvPr id="155" name="Google Shape;155;g9d35cd0f6f_0_124:notes"/>
+          <p:cNvPr id="158" name="Google Shape;158;ga390b6ced7_2_7:notes"/>
           <p:cNvSpPr txBox="1"/>
           <p:nvPr>
             <p:ph idx="1" type="body"/>
@@ -1321,7 +1321,7 @@
   <p:cSld>
     <p:spTree>
       <p:nvGrpSpPr>
-        <p:cNvPr id="160" name="Shape 160"/>
+        <p:cNvPr id="164" name="Shape 164"/>
         <p:cNvGrpSpPr/>
         <p:nvPr/>
       </p:nvGrpSpPr>
@@ -1335,7 +1335,7 @@
       </p:grpSpPr>
       <p:sp>
         <p:nvSpPr>
-          <p:cNvPr id="161" name="Google Shape;161;ga390b6ced7_2_7:notes"/>
+          <p:cNvPr id="165" name="Google Shape;165;ga4491ee872_2_5:notes"/>
           <p:cNvSpPr/>
           <p:nvPr>
             <p:ph idx="2" type="sldImg"/>
@@ -1370,7 +1370,7 @@
       </p:sp>
       <p:sp>
         <p:nvSpPr>
-          <p:cNvPr id="162" name="Google Shape;162;ga390b6ced7_2_7:notes"/>
+          <p:cNvPr id="166" name="Google Shape;166;ga4491ee872_2_5:notes"/>
           <p:cNvSpPr txBox="1"/>
           <p:nvPr>
             <p:ph idx="1" type="body"/>
@@ -1420,7 +1420,7 @@
   <p:cSld>
     <p:spTree>
       <p:nvGrpSpPr>
-        <p:cNvPr id="166" name="Shape 166"/>
+        <p:cNvPr id="174" name="Shape 174"/>
         <p:cNvGrpSpPr/>
         <p:nvPr/>
       </p:nvGrpSpPr>
@@ -1434,7 +1434,7 @@
       </p:grpSpPr>
       <p:sp>
         <p:nvSpPr>
-          <p:cNvPr id="167" name="Google Shape;167;ga390b6ced7_2_0:notes"/>
+          <p:cNvPr id="175" name="Google Shape;175;ga390b6ced7_1_0:notes"/>
           <p:cNvSpPr/>
           <p:nvPr>
             <p:ph idx="2" type="sldImg"/>
@@ -1469,7 +1469,7 @@
       </p:sp>
       <p:sp>
         <p:nvSpPr>
-          <p:cNvPr id="168" name="Google Shape;168;ga390b6ced7_2_0:notes"/>
+          <p:cNvPr id="176" name="Google Shape;176;ga390b6ced7_1_0:notes"/>
           <p:cNvSpPr txBox="1"/>
           <p:nvPr>
             <p:ph idx="1" type="body"/>
@@ -1519,7 +1519,7 @@
   <p:cSld>
     <p:spTree>
       <p:nvGrpSpPr>
-        <p:cNvPr id="173" name="Shape 173"/>
+        <p:cNvPr id="182" name="Shape 182"/>
         <p:cNvGrpSpPr/>
         <p:nvPr/>
       </p:nvGrpSpPr>
@@ -1533,7 +1533,7 @@
       </p:grpSpPr>
       <p:sp>
         <p:nvSpPr>
-          <p:cNvPr id="174" name="Google Shape;174;g9d35cd0f6f_0_95:notes"/>
+          <p:cNvPr id="183" name="Google Shape;183;g9d35cd0f6f_0_95:notes"/>
           <p:cNvSpPr/>
           <p:nvPr>
             <p:ph idx="2" type="sldImg"/>
@@ -1568,7 +1568,7 @@
       </p:sp>
       <p:sp>
         <p:nvSpPr>
-          <p:cNvPr id="175" name="Google Shape;175;g9d35cd0f6f_0_95:notes"/>
+          <p:cNvPr id="184" name="Google Shape;184;g9d35cd0f6f_0_95:notes"/>
           <p:cNvSpPr txBox="1"/>
           <p:nvPr>
             <p:ph idx="1" type="body"/>
@@ -1618,7 +1618,7 @@
   <p:cSld>
     <p:spTree>
       <p:nvGrpSpPr>
-        <p:cNvPr id="180" name="Shape 180"/>
+        <p:cNvPr id="189" name="Shape 189"/>
         <p:cNvGrpSpPr/>
         <p:nvPr/>
       </p:nvGrpSpPr>
@@ -1632,7 +1632,7 @@
       </p:grpSpPr>
       <p:sp>
         <p:nvSpPr>
-          <p:cNvPr id="181" name="Google Shape;181;ga390b6ced7_1_0:notes"/>
+          <p:cNvPr id="190" name="Google Shape;190;ga4491ee872_0_0:notes"/>
           <p:cNvSpPr/>
           <p:nvPr>
             <p:ph idx="2" type="sldImg"/>
@@ -1667,7 +1667,7 @@
       </p:sp>
       <p:sp>
         <p:nvSpPr>
-          <p:cNvPr id="182" name="Google Shape;182;ga390b6ced7_1_0:notes"/>
+          <p:cNvPr id="191" name="Google Shape;191;ga4491ee872_0_0:notes"/>
           <p:cNvSpPr txBox="1"/>
           <p:nvPr>
             <p:ph idx="1" type="body"/>
@@ -1717,7 +1717,7 @@
   <p:cSld>
     <p:spTree>
       <p:nvGrpSpPr>
-        <p:cNvPr id="188" name="Shape 188"/>
+        <p:cNvPr id="195" name="Shape 195"/>
         <p:cNvGrpSpPr/>
         <p:nvPr/>
       </p:nvGrpSpPr>
@@ -1731,7 +1731,7 @@
       </p:grpSpPr>
       <p:sp>
         <p:nvSpPr>
-          <p:cNvPr id="189" name="Google Shape;189;g9d35cd0f6f_0_102:notes"/>
+          <p:cNvPr id="196" name="Google Shape;196;g9d35cd0f6f_0_102:notes"/>
           <p:cNvSpPr/>
           <p:nvPr>
             <p:ph idx="2" type="sldImg"/>
@@ -1766,7 +1766,7 @@
       </p:sp>
       <p:sp>
         <p:nvSpPr>
-          <p:cNvPr id="190" name="Google Shape;190;g9d35cd0f6f_0_102:notes"/>
+          <p:cNvPr id="197" name="Google Shape;197;g9d35cd0f6f_0_102:notes"/>
           <p:cNvSpPr txBox="1"/>
           <p:nvPr>
             <p:ph idx="1" type="body"/>
@@ -2028,7 +2028,7 @@
       </p:grpSpPr>
       <p:sp>
         <p:nvSpPr>
-          <p:cNvPr id="79" name="Google Shape;79;g9d35cd0f6f_0_67:notes"/>
+          <p:cNvPr id="79" name="Google Shape;79;g9d35cd0f6f_0_73:notes"/>
           <p:cNvSpPr/>
           <p:nvPr>
             <p:ph idx="2" type="sldImg"/>
@@ -2063,7 +2063,7 @@
       </p:sp>
       <p:sp>
         <p:nvSpPr>
-          <p:cNvPr id="80" name="Google Shape;80;g9d35cd0f6f_0_67:notes"/>
+          <p:cNvPr id="80" name="Google Shape;80;g9d35cd0f6f_0_73:notes"/>
           <p:cNvSpPr txBox="1"/>
           <p:nvPr>
             <p:ph idx="1" type="body"/>
@@ -2113,7 +2113,7 @@
   <p:cSld>
     <p:spTree>
       <p:nvGrpSpPr>
-        <p:cNvPr id="84" name="Shape 84"/>
+        <p:cNvPr id="85" name="Shape 85"/>
         <p:cNvGrpSpPr/>
         <p:nvPr/>
       </p:nvGrpSpPr>
@@ -2127,7 +2127,7 @@
       </p:grpSpPr>
       <p:sp>
         <p:nvSpPr>
-          <p:cNvPr id="85" name="Google Shape;85;g9d35cd0f6f_0_73:notes"/>
+          <p:cNvPr id="86" name="Google Shape;86;g9d35cd0f6f_0_80:notes"/>
           <p:cNvSpPr/>
           <p:nvPr>
             <p:ph idx="2" type="sldImg"/>
@@ -2162,7 +2162,7 @@
       </p:sp>
       <p:sp>
         <p:nvSpPr>
-          <p:cNvPr id="86" name="Google Shape;86;g9d35cd0f6f_0_73:notes"/>
+          <p:cNvPr id="87" name="Google Shape;87;g9d35cd0f6f_0_80:notes"/>
           <p:cNvSpPr txBox="1"/>
           <p:nvPr>
             <p:ph idx="1" type="body"/>
@@ -2226,7 +2226,7 @@
       </p:grpSpPr>
       <p:sp>
         <p:nvSpPr>
-          <p:cNvPr id="92" name="Google Shape;92;g9d35cd0f6f_0_80:notes"/>
+          <p:cNvPr id="92" name="Google Shape;92;ga390b6ced7_0_0:notes"/>
           <p:cNvSpPr/>
           <p:nvPr>
             <p:ph idx="2" type="sldImg"/>
@@ -2261,7 +2261,7 @@
       </p:sp>
       <p:sp>
         <p:nvSpPr>
-          <p:cNvPr id="93" name="Google Shape;93;g9d35cd0f6f_0_80:notes"/>
+          <p:cNvPr id="93" name="Google Shape;93;ga390b6ced7_0_0:notes"/>
           <p:cNvSpPr txBox="1"/>
           <p:nvPr>
             <p:ph idx="1" type="body"/>
@@ -2325,7 +2325,7 @@
       </p:grpSpPr>
       <p:sp>
         <p:nvSpPr>
-          <p:cNvPr id="98" name="Google Shape;98;ga390b6ced7_0_0:notes"/>
+          <p:cNvPr id="98" name="Google Shape;98;g9d35cd0f6f_0_90:notes"/>
           <p:cNvSpPr/>
           <p:nvPr>
             <p:ph idx="2" type="sldImg"/>
@@ -2360,7 +2360,7 @@
       </p:sp>
       <p:sp>
         <p:nvSpPr>
-          <p:cNvPr id="99" name="Google Shape;99;ga390b6ced7_0_0:notes"/>
+          <p:cNvPr id="99" name="Google Shape;99;g9d35cd0f6f_0_90:notes"/>
           <p:cNvSpPr txBox="1"/>
           <p:nvPr>
             <p:ph idx="1" type="body"/>
@@ -2424,7 +2424,7 @@
       </p:grpSpPr>
       <p:sp>
         <p:nvSpPr>
-          <p:cNvPr id="104" name="Google Shape;104;g9d35cd0f6f_0_90:notes"/>
+          <p:cNvPr id="104" name="Google Shape;104;g9d35cd0f6f_0_109:notes"/>
           <p:cNvSpPr/>
           <p:nvPr>
             <p:ph idx="2" type="sldImg"/>
@@ -2459,7 +2459,7 @@
       </p:sp>
       <p:sp>
         <p:nvSpPr>
-          <p:cNvPr id="105" name="Google Shape;105;g9d35cd0f6f_0_90:notes"/>
+          <p:cNvPr id="105" name="Google Shape;105;g9d35cd0f6f_0_109:notes"/>
           <p:cNvSpPr txBox="1"/>
           <p:nvPr>
             <p:ph idx="1" type="body"/>
@@ -2509,7 +2509,7 @@
   <p:cSld>
     <p:spTree>
       <p:nvGrpSpPr>
-        <p:cNvPr id="109" name="Shape 109"/>
+        <p:cNvPr id="114" name="Shape 114"/>
         <p:cNvGrpSpPr/>
         <p:nvPr/>
       </p:nvGrpSpPr>
@@ -2523,7 +2523,7 @@
       </p:grpSpPr>
       <p:sp>
         <p:nvSpPr>
-          <p:cNvPr id="110" name="Google Shape;110;g9d35cd0f6f_0_109:notes"/>
+          <p:cNvPr id="115" name="Google Shape;115;ga390b6ced7_0_10:notes"/>
           <p:cNvSpPr/>
           <p:nvPr>
             <p:ph idx="2" type="sldImg"/>
@@ -2558,7 +2558,7 @@
       </p:sp>
       <p:sp>
         <p:nvSpPr>
-          <p:cNvPr id="111" name="Google Shape;111;g9d35cd0f6f_0_109:notes"/>
+          <p:cNvPr id="116" name="Google Shape;116;ga390b6ced7_0_10:notes"/>
           <p:cNvSpPr txBox="1"/>
           <p:nvPr>
             <p:ph idx="1" type="body"/>
@@ -8689,7 +8689,7 @@
             </a:pPr>
             <a:r>
               <a:rPr lang="en"/>
-              <a:t>Project 3 - NLP Analyis and Stock Data</a:t>
+              <a:t>Project 3 - NLP Analysis and Stock Data</a:t>
             </a:r>
             <a:endParaRPr/>
           </a:p>
@@ -8812,7 +8812,7 @@
   <p:cSld>
     <p:spTree>
       <p:nvGrpSpPr>
-        <p:cNvPr id="121" name="Shape 121"/>
+        <p:cNvPr id="123" name="Shape 123"/>
         <p:cNvGrpSpPr/>
         <p:nvPr/>
       </p:nvGrpSpPr>
@@ -8826,7 +8826,7 @@
       </p:grpSpPr>
       <p:sp>
         <p:nvSpPr>
-          <p:cNvPr id="122" name="Google Shape;122;p22"/>
+          <p:cNvPr id="124" name="Google Shape;124;p22"/>
           <p:cNvSpPr txBox="1"/>
           <p:nvPr>
             <p:ph type="title"/>
@@ -8858,7 +8858,7 @@
             </a:pPr>
             <a:r>
               <a:rPr lang="en"/>
-              <a:t>Analysis Method - finding out any correlations</a:t>
+              <a:t>Analysis Method - Cont’d</a:t>
             </a:r>
             <a:endParaRPr/>
           </a:p>
@@ -8866,590 +8866,7 @@
       </p:sp>
       <p:sp>
         <p:nvSpPr>
-          <p:cNvPr id="123" name="Google Shape;123;p22"/>
-          <p:cNvSpPr txBox="1"/>
-          <p:nvPr/>
-        </p:nvSpPr>
-        <p:spPr>
-          <a:xfrm>
-            <a:off x="311725" y="1340550"/>
-            <a:ext cx="8787300" cy="3599700"/>
-          </a:xfrm>
-          <a:prstGeom prst="rect">
-            <a:avLst/>
-          </a:prstGeom>
-          <a:noFill/>
-          <a:ln>
-            <a:noFill/>
-          </a:ln>
-        </p:spPr>
-        <p:txBody>
-          <a:bodyPr anchorCtr="0" anchor="t" bIns="91425" lIns="91425" spcFirstLastPara="1" rIns="91425" wrap="square" tIns="91425">
-            <a:noAutofit/>
-          </a:bodyPr>
-          <a:lstStyle/>
-          <a:p>
-            <a:pPr indent="-323850" lvl="0" marL="457200" rtl="0" algn="l">
-              <a:spcBef>
-                <a:spcPts val="0"/>
-              </a:spcBef>
-              <a:spcAft>
-                <a:spcPts val="0"/>
-              </a:spcAft>
-              <a:buSzPts val="1500"/>
-              <a:buFont typeface="Roboto"/>
-              <a:buAutoNum type="arabicPeriod"/>
-            </a:pPr>
-            <a:r>
-              <a:rPr b="1" lang="en" sz="1500">
-                <a:latin typeface="Roboto"/>
-                <a:ea typeface="Roboto"/>
-                <a:cs typeface="Roboto"/>
-                <a:sym typeface="Roboto"/>
-              </a:rPr>
-              <a:t>Decide which TSLA Price we use </a:t>
-            </a:r>
-            <a:endParaRPr b="1" sz="1500">
-              <a:latin typeface="Roboto"/>
-              <a:ea typeface="Roboto"/>
-              <a:cs typeface="Roboto"/>
-              <a:sym typeface="Roboto"/>
-            </a:endParaRPr>
-          </a:p>
-          <a:p>
-            <a:pPr indent="-317500" lvl="0" marL="457200" rtl="0" algn="l">
-              <a:spcBef>
-                <a:spcPts val="0"/>
-              </a:spcBef>
-              <a:spcAft>
-                <a:spcPts val="0"/>
-              </a:spcAft>
-              <a:buSzPts val="1400"/>
-              <a:buFont typeface="Roboto"/>
-              <a:buChar char="-"/>
-            </a:pPr>
-            <a:r>
-              <a:rPr lang="en">
-                <a:latin typeface="Roboto"/>
-                <a:ea typeface="Roboto"/>
-                <a:cs typeface="Roboto"/>
-                <a:sym typeface="Roboto"/>
-              </a:rPr>
-              <a:t>Daily / Hourly / 15 minutes</a:t>
-            </a:r>
-            <a:endParaRPr>
-              <a:latin typeface="Roboto"/>
-              <a:ea typeface="Roboto"/>
-              <a:cs typeface="Roboto"/>
-              <a:sym typeface="Roboto"/>
-            </a:endParaRPr>
-          </a:p>
-          <a:p>
-            <a:pPr indent="0" lvl="0" marL="457200" rtl="0" algn="l">
-              <a:spcBef>
-                <a:spcPts val="0"/>
-              </a:spcBef>
-              <a:spcAft>
-                <a:spcPts val="0"/>
-              </a:spcAft>
-              <a:buNone/>
-            </a:pPr>
-            <a:r>
-              <a:t/>
-            </a:r>
-            <a:endParaRPr b="1">
-              <a:latin typeface="Roboto"/>
-              <a:ea typeface="Roboto"/>
-              <a:cs typeface="Roboto"/>
-              <a:sym typeface="Roboto"/>
-            </a:endParaRPr>
-          </a:p>
-          <a:p>
-            <a:pPr indent="-323850" lvl="0" marL="457200" rtl="0" algn="l">
-              <a:spcBef>
-                <a:spcPts val="0"/>
-              </a:spcBef>
-              <a:spcAft>
-                <a:spcPts val="0"/>
-              </a:spcAft>
-              <a:buSzPts val="1500"/>
-              <a:buFont typeface="Roboto"/>
-              <a:buAutoNum type="arabicPeriod"/>
-            </a:pPr>
-            <a:r>
-              <a:rPr b="1" lang="en" sz="1500">
-                <a:latin typeface="Roboto"/>
-                <a:ea typeface="Roboto"/>
-                <a:cs typeface="Roboto"/>
-                <a:sym typeface="Roboto"/>
-              </a:rPr>
-              <a:t>Preparing for various Sentiment Score </a:t>
-            </a:r>
-            <a:endParaRPr b="1" sz="1500">
-              <a:latin typeface="Roboto"/>
-              <a:ea typeface="Roboto"/>
-              <a:cs typeface="Roboto"/>
-              <a:sym typeface="Roboto"/>
-            </a:endParaRPr>
-          </a:p>
-          <a:p>
-            <a:pPr indent="-317500" lvl="0" marL="457200" rtl="0" algn="l">
-              <a:spcBef>
-                <a:spcPts val="0"/>
-              </a:spcBef>
-              <a:spcAft>
-                <a:spcPts val="0"/>
-              </a:spcAft>
-              <a:buSzPts val="1400"/>
-              <a:buFont typeface="Roboto"/>
-              <a:buChar char="-"/>
-            </a:pPr>
-            <a:r>
-              <a:rPr lang="en">
-                <a:latin typeface="Roboto"/>
-                <a:ea typeface="Roboto"/>
-                <a:cs typeface="Roboto"/>
-                <a:sym typeface="Roboto"/>
-              </a:rPr>
-              <a:t>Subjectivity and Polarity scores from TextBlob</a:t>
-            </a:r>
-            <a:endParaRPr>
-              <a:latin typeface="Roboto"/>
-              <a:ea typeface="Roboto"/>
-              <a:cs typeface="Roboto"/>
-              <a:sym typeface="Roboto"/>
-            </a:endParaRPr>
-          </a:p>
-          <a:p>
-            <a:pPr indent="-317500" lvl="0" marL="457200" rtl="0" algn="l">
-              <a:spcBef>
-                <a:spcPts val="0"/>
-              </a:spcBef>
-              <a:spcAft>
-                <a:spcPts val="0"/>
-              </a:spcAft>
-              <a:buSzPts val="1400"/>
-              <a:buFont typeface="Roboto"/>
-              <a:buChar char="-"/>
-            </a:pPr>
-            <a:r>
-              <a:rPr lang="en">
-                <a:latin typeface="Roboto"/>
-                <a:ea typeface="Roboto"/>
-                <a:cs typeface="Roboto"/>
-                <a:sym typeface="Roboto"/>
-              </a:rPr>
-              <a:t>Going straight with Polarity score only</a:t>
-            </a:r>
-            <a:endParaRPr>
-              <a:latin typeface="Roboto"/>
-              <a:ea typeface="Roboto"/>
-              <a:cs typeface="Roboto"/>
-              <a:sym typeface="Roboto"/>
-            </a:endParaRPr>
-          </a:p>
-          <a:p>
-            <a:pPr indent="-317500" lvl="0" marL="457200" rtl="0" algn="l">
-              <a:spcBef>
-                <a:spcPts val="0"/>
-              </a:spcBef>
-              <a:spcAft>
-                <a:spcPts val="0"/>
-              </a:spcAft>
-              <a:buSzPts val="1400"/>
-              <a:buFont typeface="Roboto"/>
-              <a:buChar char="-"/>
-            </a:pPr>
-            <a:r>
-              <a:rPr lang="en">
-                <a:latin typeface="Roboto"/>
-                <a:ea typeface="Roboto"/>
-                <a:cs typeface="Roboto"/>
-                <a:sym typeface="Roboto"/>
-              </a:rPr>
-              <a:t>Or tweaking and combining with Subjectivity score by filtering or weighting  </a:t>
-            </a:r>
-            <a:endParaRPr>
-              <a:latin typeface="Roboto"/>
-              <a:ea typeface="Roboto"/>
-              <a:cs typeface="Roboto"/>
-              <a:sym typeface="Roboto"/>
-            </a:endParaRPr>
-          </a:p>
-          <a:p>
-            <a:pPr indent="-88900" lvl="0" marL="685800" rtl="0" algn="l">
-              <a:spcBef>
-                <a:spcPts val="0"/>
-              </a:spcBef>
-              <a:spcAft>
-                <a:spcPts val="0"/>
-              </a:spcAft>
-              <a:buSzPts val="1400"/>
-              <a:buFont typeface="Roboto"/>
-              <a:buAutoNum type="alphaLcPeriod"/>
-            </a:pPr>
-            <a:r>
-              <a:rPr lang="en">
-                <a:latin typeface="Roboto"/>
-                <a:ea typeface="Roboto"/>
-                <a:cs typeface="Roboto"/>
-                <a:sym typeface="Roboto"/>
-              </a:rPr>
-              <a:t>    </a:t>
-            </a:r>
-            <a:r>
-              <a:rPr lang="en" sz="1200">
-                <a:latin typeface="Roboto"/>
-                <a:ea typeface="Roboto"/>
-                <a:cs typeface="Roboto"/>
-                <a:sym typeface="Roboto"/>
-              </a:rPr>
-              <a:t> Simply taking more objective texts only (i.e. dropping out texts w/ Subjectivity &gt; 0.4) </a:t>
-            </a:r>
-            <a:endParaRPr sz="1200">
-              <a:latin typeface="Roboto"/>
-              <a:ea typeface="Roboto"/>
-              <a:cs typeface="Roboto"/>
-              <a:sym typeface="Roboto"/>
-            </a:endParaRPr>
-          </a:p>
-          <a:p>
-            <a:pPr indent="-304800" lvl="0" marL="914400" rtl="0" algn="l">
-              <a:spcBef>
-                <a:spcPts val="0"/>
-              </a:spcBef>
-              <a:spcAft>
-                <a:spcPts val="0"/>
-              </a:spcAft>
-              <a:buSzPts val="1200"/>
-              <a:buFont typeface="Roboto"/>
-              <a:buAutoNum type="alphaLcPeriod"/>
-            </a:pPr>
-            <a:r>
-              <a:rPr lang="en" sz="1200">
-                <a:latin typeface="Roboto"/>
-                <a:ea typeface="Roboto"/>
-                <a:cs typeface="Roboto"/>
-                <a:sym typeface="Roboto"/>
-              </a:rPr>
-              <a:t>Creating adj. Polarity score by weighting on subjectivity</a:t>
-            </a:r>
-            <a:endParaRPr sz="1200">
-              <a:latin typeface="Roboto"/>
-              <a:ea typeface="Roboto"/>
-              <a:cs typeface="Roboto"/>
-              <a:sym typeface="Roboto"/>
-            </a:endParaRPr>
-          </a:p>
-          <a:p>
-            <a:pPr indent="0" lvl="0" marL="0" rtl="0" algn="l">
-              <a:spcBef>
-                <a:spcPts val="0"/>
-              </a:spcBef>
-              <a:spcAft>
-                <a:spcPts val="0"/>
-              </a:spcAft>
-              <a:buNone/>
-            </a:pPr>
-            <a:r>
-              <a:rPr lang="en" sz="1200">
-                <a:latin typeface="Roboto"/>
-                <a:ea typeface="Roboto"/>
-                <a:cs typeface="Roboto"/>
-                <a:sym typeface="Roboto"/>
-              </a:rPr>
-              <a:t>                        If  0 &lt;= Subjectivity score &lt;= 0.2  ⇒ 140% * Polarity score</a:t>
-            </a:r>
-            <a:endParaRPr sz="1200">
-              <a:latin typeface="Roboto"/>
-              <a:ea typeface="Roboto"/>
-              <a:cs typeface="Roboto"/>
-              <a:sym typeface="Roboto"/>
-            </a:endParaRPr>
-          </a:p>
-          <a:p>
-            <a:pPr indent="0" lvl="0" marL="0" rtl="0" algn="l">
-              <a:spcBef>
-                <a:spcPts val="0"/>
-              </a:spcBef>
-              <a:spcAft>
-                <a:spcPts val="0"/>
-              </a:spcAft>
-              <a:buNone/>
-            </a:pPr>
-            <a:r>
-              <a:rPr lang="en" sz="1200">
-                <a:latin typeface="Roboto"/>
-                <a:ea typeface="Roboto"/>
-                <a:cs typeface="Roboto"/>
-                <a:sym typeface="Roboto"/>
-              </a:rPr>
-              <a:t>                             0.2&lt; </a:t>
-            </a:r>
-            <a:r>
-              <a:rPr lang="en" sz="1200">
-                <a:latin typeface="Roboto"/>
-                <a:ea typeface="Roboto"/>
-                <a:cs typeface="Roboto"/>
-                <a:sym typeface="Roboto"/>
-              </a:rPr>
-              <a:t>Subjectivity score &lt;= 0.4  ⇒ 120% * Polarity score and so on.</a:t>
-            </a:r>
-            <a:endParaRPr sz="1200">
-              <a:latin typeface="Roboto"/>
-              <a:ea typeface="Roboto"/>
-              <a:cs typeface="Roboto"/>
-              <a:sym typeface="Roboto"/>
-            </a:endParaRPr>
-          </a:p>
-          <a:p>
-            <a:pPr indent="0" lvl="0" marL="0" rtl="0" algn="l">
-              <a:spcBef>
-                <a:spcPts val="0"/>
-              </a:spcBef>
-              <a:spcAft>
-                <a:spcPts val="0"/>
-              </a:spcAft>
-              <a:buNone/>
-            </a:pPr>
-            <a:r>
-              <a:t/>
-            </a:r>
-            <a:endParaRPr>
-              <a:latin typeface="Roboto"/>
-              <a:ea typeface="Roboto"/>
-              <a:cs typeface="Roboto"/>
-              <a:sym typeface="Roboto"/>
-            </a:endParaRPr>
-          </a:p>
-          <a:p>
-            <a:pPr indent="-317500" lvl="0" marL="457200" rtl="0" algn="l">
-              <a:spcBef>
-                <a:spcPts val="0"/>
-              </a:spcBef>
-              <a:spcAft>
-                <a:spcPts val="0"/>
-              </a:spcAft>
-              <a:buSzPts val="1400"/>
-              <a:buFont typeface="Roboto"/>
-              <a:buChar char="-"/>
-            </a:pPr>
-            <a:r>
-              <a:rPr lang="en">
-                <a:latin typeface="Roboto"/>
-                <a:ea typeface="Roboto"/>
-                <a:cs typeface="Roboto"/>
-                <a:sym typeface="Roboto"/>
-              </a:rPr>
-              <a:t>Grouping scores by daily/hourly/15 mins by taking mean, sum, count, first and last</a:t>
-            </a:r>
-            <a:endParaRPr>
-              <a:latin typeface="Roboto"/>
-              <a:ea typeface="Roboto"/>
-              <a:cs typeface="Roboto"/>
-              <a:sym typeface="Roboto"/>
-            </a:endParaRPr>
-          </a:p>
-          <a:p>
-            <a:pPr indent="0" lvl="0" marL="0" rtl="0" algn="l">
-              <a:spcBef>
-                <a:spcPts val="0"/>
-              </a:spcBef>
-              <a:spcAft>
-                <a:spcPts val="0"/>
-              </a:spcAft>
-              <a:buNone/>
-            </a:pPr>
-            <a:r>
-              <a:rPr b="1" lang="en">
-                <a:latin typeface="Roboto"/>
-                <a:ea typeface="Roboto"/>
-                <a:cs typeface="Roboto"/>
-                <a:sym typeface="Roboto"/>
-              </a:rPr>
-              <a:t> </a:t>
-            </a:r>
-            <a:endParaRPr b="1">
-              <a:latin typeface="Roboto"/>
-              <a:ea typeface="Roboto"/>
-              <a:cs typeface="Roboto"/>
-              <a:sym typeface="Roboto"/>
-            </a:endParaRPr>
-          </a:p>
-          <a:p>
-            <a:pPr indent="-317500" lvl="0" marL="457200" rtl="0" algn="l">
-              <a:spcBef>
-                <a:spcPts val="0"/>
-              </a:spcBef>
-              <a:spcAft>
-                <a:spcPts val="0"/>
-              </a:spcAft>
-              <a:buSzPts val="1400"/>
-              <a:buFont typeface="Roboto"/>
-              <a:buAutoNum type="arabicPeriod"/>
-            </a:pPr>
-            <a:r>
-              <a:rPr b="1" lang="en">
-                <a:latin typeface="Roboto"/>
-                <a:ea typeface="Roboto"/>
-                <a:cs typeface="Roboto"/>
-                <a:sym typeface="Roboto"/>
-              </a:rPr>
-              <a:t>Comparing the analysis by market hours</a:t>
-            </a:r>
-            <a:endParaRPr b="1">
-              <a:latin typeface="Roboto"/>
-              <a:ea typeface="Roboto"/>
-              <a:cs typeface="Roboto"/>
-              <a:sym typeface="Roboto"/>
-            </a:endParaRPr>
-          </a:p>
-          <a:p>
-            <a:pPr indent="-317500" lvl="0" marL="457200" rtl="0" algn="l">
-              <a:spcBef>
-                <a:spcPts val="0"/>
-              </a:spcBef>
-              <a:spcAft>
-                <a:spcPts val="0"/>
-              </a:spcAft>
-              <a:buSzPts val="1400"/>
-              <a:buFont typeface="Roboto"/>
-              <a:buChar char="-"/>
-            </a:pPr>
-            <a:r>
-              <a:rPr lang="en">
-                <a:latin typeface="Roboto"/>
-                <a:ea typeface="Roboto"/>
-                <a:cs typeface="Roboto"/>
-                <a:sym typeface="Roboto"/>
-              </a:rPr>
-              <a:t>Analyze all texts regardless of on and off market hours or</a:t>
-            </a:r>
-            <a:endParaRPr>
-              <a:latin typeface="Roboto"/>
-              <a:ea typeface="Roboto"/>
-              <a:cs typeface="Roboto"/>
-              <a:sym typeface="Roboto"/>
-            </a:endParaRPr>
-          </a:p>
-          <a:p>
-            <a:pPr indent="-317500" lvl="0" marL="457200" rtl="0" algn="l">
-              <a:spcBef>
-                <a:spcPts val="0"/>
-              </a:spcBef>
-              <a:spcAft>
-                <a:spcPts val="0"/>
-              </a:spcAft>
-              <a:buSzPts val="1400"/>
-              <a:buFont typeface="Roboto"/>
-              <a:buChar char="-"/>
-            </a:pPr>
-            <a:r>
-              <a:rPr lang="en">
-                <a:latin typeface="Roboto"/>
-                <a:ea typeface="Roboto"/>
-                <a:cs typeface="Roboto"/>
-                <a:sym typeface="Roboto"/>
-              </a:rPr>
-              <a:t>Analyze only texts posted within market hours </a:t>
-            </a:r>
-            <a:endParaRPr>
-              <a:latin typeface="Roboto"/>
-              <a:ea typeface="Roboto"/>
-              <a:cs typeface="Roboto"/>
-              <a:sym typeface="Roboto"/>
-            </a:endParaRPr>
-          </a:p>
-          <a:p>
-            <a:pPr indent="0" lvl="0" marL="0" rtl="0" algn="l">
-              <a:spcBef>
-                <a:spcPts val="0"/>
-              </a:spcBef>
-              <a:spcAft>
-                <a:spcPts val="0"/>
-              </a:spcAft>
-              <a:buNone/>
-            </a:pPr>
-            <a:r>
-              <a:t/>
-            </a:r>
-            <a:endParaRPr>
-              <a:latin typeface="Roboto"/>
-              <a:ea typeface="Roboto"/>
-              <a:cs typeface="Roboto"/>
-              <a:sym typeface="Roboto"/>
-            </a:endParaRPr>
-          </a:p>
-        </p:txBody>
-      </p:sp>
-    </p:spTree>
-  </p:cSld>
-  <p:clrMapOvr>
-    <a:masterClrMapping/>
-  </p:clrMapOvr>
-</p:sld>
-</file>
-
-<file path=ppt/slides/slide11.xml><?xml version="1.0" encoding="utf-8"?>
-<p:sld xmlns:a="http://schemas.openxmlformats.org/drawingml/2006/main" xmlns:r="http://schemas.openxmlformats.org/officeDocument/2006/relationships" xmlns:mc="http://schemas.openxmlformats.org/markup-compatibility/2006" xmlns:mv="urn:schemas-microsoft-com:mac:vml" xmlns:p="http://schemas.openxmlformats.org/presentationml/2006/main" xmlns:c="http://schemas.openxmlformats.org/drawingml/2006/chart" xmlns:dgm="http://schemas.openxmlformats.org/drawingml/2006/diagram" xmlns:o="urn:schemas-microsoft-com:office:office" xmlns:v="urn:schemas-microsoft-com:vml" xmlns:pvml="urn:schemas-microsoft-com:office:powerpoint" xmlns:com="http://schemas.openxmlformats.org/drawingml/2006/compatibility" xmlns:p14="http://schemas.microsoft.com/office/powerpoint/2010/main" xmlns:p15="http://schemas.microsoft.com/office/powerpoint/2012/main" xmlns:ahyp="http://schemas.microsoft.com/office/drawing/2018/hyperlinkcolor">
-  <p:cSld>
-    <p:spTree>
-      <p:nvGrpSpPr>
-        <p:cNvPr id="127" name="Shape 127"/>
-        <p:cNvGrpSpPr/>
-        <p:nvPr/>
-      </p:nvGrpSpPr>
-      <p:grpSpPr>
-        <a:xfrm>
-          <a:off x="0" y="0"/>
-          <a:ext cx="0" cy="0"/>
-          <a:chOff x="0" y="0"/>
-          <a:chExt cx="0" cy="0"/>
-        </a:xfrm>
-      </p:grpSpPr>
-      <p:sp>
-        <p:nvSpPr>
-          <p:cNvPr id="128" name="Google Shape;128;p23"/>
-          <p:cNvSpPr txBox="1"/>
-          <p:nvPr>
-            <p:ph type="title"/>
-          </p:nvPr>
-        </p:nvSpPr>
-        <p:spPr>
-          <a:xfrm>
-            <a:off x="311725" y="500925"/>
-            <a:ext cx="8520600" cy="623700"/>
-          </a:xfrm>
-          <a:prstGeom prst="rect">
-            <a:avLst/>
-          </a:prstGeom>
-        </p:spPr>
-        <p:txBody>
-          <a:bodyPr anchorCtr="0" anchor="t" bIns="91425" lIns="91425" spcFirstLastPara="1" rIns="91425" wrap="square" tIns="91425">
-            <a:noAutofit/>
-          </a:bodyPr>
-          <a:lstStyle/>
-          <a:p>
-            <a:pPr indent="0" lvl="0" marL="0" rtl="0" algn="l">
-              <a:spcBef>
-                <a:spcPts val="0"/>
-              </a:spcBef>
-              <a:spcAft>
-                <a:spcPts val="0"/>
-              </a:spcAft>
-              <a:buNone/>
-            </a:pPr>
-            <a:r>
-              <a:rPr lang="en"/>
-              <a:t>Analysis Method - Cont’d</a:t>
-            </a:r>
-            <a:endParaRPr/>
-          </a:p>
-        </p:txBody>
-      </p:sp>
-      <p:sp>
-        <p:nvSpPr>
-          <p:cNvPr id="129" name="Google Shape;129;p23"/>
+          <p:cNvPr id="125" name="Google Shape;125;p22"/>
           <p:cNvSpPr txBox="1"/>
           <p:nvPr/>
         </p:nvSpPr>
@@ -9563,7 +8980,7 @@
       </p:sp>
       <p:pic>
         <p:nvPicPr>
-          <p:cNvPr id="130" name="Google Shape;130;p23"/>
+          <p:cNvPr id="126" name="Google Shape;126;p22"/>
           <p:cNvPicPr preferRelativeResize="0"/>
           <p:nvPr/>
         </p:nvPicPr>
@@ -9591,7 +9008,7 @@
       </p:pic>
       <p:pic>
         <p:nvPicPr>
-          <p:cNvPr id="131" name="Google Shape;131;p23"/>
+          <p:cNvPr id="127" name="Google Shape;127;p22"/>
           <p:cNvPicPr preferRelativeResize="0"/>
           <p:nvPr/>
         </p:nvPicPr>
@@ -9619,40 +9036,12 @@
       </p:pic>
       <p:pic>
         <p:nvPicPr>
-          <p:cNvPr id="132" name="Google Shape;132;p23"/>
+          <p:cNvPr id="128" name="Google Shape;128;p22"/>
           <p:cNvPicPr preferRelativeResize="0"/>
           <p:nvPr/>
         </p:nvPicPr>
         <p:blipFill>
           <a:blip r:embed="rId5">
-            <a:alphaModFix/>
-          </a:blip>
-          <a:stretch>
-            <a:fillRect/>
-          </a:stretch>
-        </p:blipFill>
-        <p:spPr>
-          <a:xfrm>
-            <a:off x="3445725" y="3410062"/>
-            <a:ext cx="3100080" cy="1550040"/>
-          </a:xfrm>
-          <a:prstGeom prst="rect">
-            <a:avLst/>
-          </a:prstGeom>
-          <a:noFill/>
-          <a:ln>
-            <a:noFill/>
-          </a:ln>
-        </p:spPr>
-      </p:pic>
-      <p:pic>
-        <p:nvPicPr>
-          <p:cNvPr id="133" name="Google Shape;133;p23"/>
-          <p:cNvPicPr preferRelativeResize="0"/>
-          <p:nvPr/>
-        </p:nvPicPr>
-        <p:blipFill>
-          <a:blip r:embed="rId6">
             <a:alphaModFix/>
           </a:blip>
           <a:stretch>
@@ -9675,12 +9064,12 @@
       </p:pic>
       <p:pic>
         <p:nvPicPr>
-          <p:cNvPr id="134" name="Google Shape;134;p23"/>
+          <p:cNvPr id="129" name="Google Shape;129;p22"/>
           <p:cNvPicPr preferRelativeResize="0"/>
           <p:nvPr/>
         </p:nvPicPr>
         <p:blipFill>
-          <a:blip r:embed="rId7">
+          <a:blip r:embed="rId6">
             <a:alphaModFix/>
           </a:blip>
           <a:stretch>
@@ -9701,6 +9090,34 @@
           </a:ln>
         </p:spPr>
       </p:pic>
+      <p:pic>
+        <p:nvPicPr>
+          <p:cNvPr id="130" name="Google Shape;130;p22"/>
+          <p:cNvPicPr preferRelativeResize="0"/>
+          <p:nvPr/>
+        </p:nvPicPr>
+        <p:blipFill>
+          <a:blip r:embed="rId7">
+            <a:alphaModFix/>
+          </a:blip>
+          <a:stretch>
+            <a:fillRect/>
+          </a:stretch>
+        </p:blipFill>
+        <p:spPr>
+          <a:xfrm>
+            <a:off x="4071225" y="3314463"/>
+            <a:ext cx="2002790" cy="1550025"/>
+          </a:xfrm>
+          <a:prstGeom prst="rect">
+            <a:avLst/>
+          </a:prstGeom>
+          <a:noFill/>
+          <a:ln>
+            <a:noFill/>
+          </a:ln>
+        </p:spPr>
+      </p:pic>
     </p:spTree>
   </p:cSld>
   <p:clrMapOvr>
@@ -9709,12 +9126,12 @@
 </p:sld>
 </file>
 
-<file path=ppt/slides/slide12.xml><?xml version="1.0" encoding="utf-8"?>
+<file path=ppt/slides/slide11.xml><?xml version="1.0" encoding="utf-8"?>
 <p:sld xmlns:a="http://schemas.openxmlformats.org/drawingml/2006/main" xmlns:r="http://schemas.openxmlformats.org/officeDocument/2006/relationships" xmlns:mc="http://schemas.openxmlformats.org/markup-compatibility/2006" xmlns:mv="urn:schemas-microsoft-com:mac:vml" xmlns:p="http://schemas.openxmlformats.org/presentationml/2006/main" xmlns:c="http://schemas.openxmlformats.org/drawingml/2006/chart" xmlns:dgm="http://schemas.openxmlformats.org/drawingml/2006/diagram" xmlns:o="urn:schemas-microsoft-com:office:office" xmlns:v="urn:schemas-microsoft-com:vml" xmlns:pvml="urn:schemas-microsoft-com:office:powerpoint" xmlns:com="http://schemas.openxmlformats.org/drawingml/2006/compatibility" xmlns:p14="http://schemas.microsoft.com/office/powerpoint/2010/main" xmlns:p15="http://schemas.microsoft.com/office/powerpoint/2012/main" xmlns:ahyp="http://schemas.microsoft.com/office/drawing/2018/hyperlinkcolor">
   <p:cSld>
     <p:spTree>
       <p:nvGrpSpPr>
-        <p:cNvPr id="138" name="Shape 138"/>
+        <p:cNvPr id="134" name="Shape 134"/>
         <p:cNvGrpSpPr/>
         <p:nvPr/>
       </p:nvGrpSpPr>
@@ -9728,7 +9145,7 @@
       </p:grpSpPr>
       <p:sp>
         <p:nvSpPr>
-          <p:cNvPr id="139" name="Google Shape;139;p24"/>
+          <p:cNvPr id="135" name="Google Shape;135;p23"/>
           <p:cNvSpPr txBox="1"/>
           <p:nvPr>
             <p:ph type="title"/>
@@ -9768,7 +9185,7 @@
       </p:sp>
       <p:pic>
         <p:nvPicPr>
-          <p:cNvPr id="140" name="Google Shape;140;p24"/>
+          <p:cNvPr id="136" name="Google Shape;136;p23"/>
           <p:cNvPicPr preferRelativeResize="0"/>
           <p:nvPr/>
         </p:nvPicPr>
@@ -9796,7 +9213,7 @@
       </p:pic>
       <p:sp>
         <p:nvSpPr>
-          <p:cNvPr id="141" name="Google Shape;141;p24"/>
+          <p:cNvPr id="137" name="Google Shape;137;p23"/>
           <p:cNvSpPr/>
           <p:nvPr/>
         </p:nvSpPr>
@@ -9843,7 +9260,7 @@
       </p:sp>
       <p:pic>
         <p:nvPicPr>
-          <p:cNvPr id="142" name="Google Shape;142;p24"/>
+          <p:cNvPr id="138" name="Google Shape;138;p23"/>
           <p:cNvPicPr preferRelativeResize="0"/>
           <p:nvPr/>
         </p:nvPicPr>
@@ -9871,7 +9288,7 @@
       </p:pic>
       <p:sp>
         <p:nvSpPr>
-          <p:cNvPr id="143" name="Google Shape;143;p24"/>
+          <p:cNvPr id="139" name="Google Shape;139;p23"/>
           <p:cNvSpPr txBox="1"/>
           <p:nvPr/>
         </p:nvSpPr>
@@ -9984,12 +9401,12 @@
 </p:sld>
 </file>
 
-<file path=ppt/slides/slide13.xml><?xml version="1.0" encoding="utf-8"?>
+<file path=ppt/slides/slide12.xml><?xml version="1.0" encoding="utf-8"?>
 <p:sld xmlns:a="http://schemas.openxmlformats.org/drawingml/2006/main" xmlns:r="http://schemas.openxmlformats.org/officeDocument/2006/relationships" xmlns:mc="http://schemas.openxmlformats.org/markup-compatibility/2006" xmlns:mv="urn:schemas-microsoft-com:mac:vml" xmlns:p="http://schemas.openxmlformats.org/presentationml/2006/main" xmlns:c="http://schemas.openxmlformats.org/drawingml/2006/chart" xmlns:dgm="http://schemas.openxmlformats.org/drawingml/2006/diagram" xmlns:o="urn:schemas-microsoft-com:office:office" xmlns:v="urn:schemas-microsoft-com:vml" xmlns:pvml="urn:schemas-microsoft-com:office:powerpoint" xmlns:com="http://schemas.openxmlformats.org/drawingml/2006/compatibility" xmlns:p14="http://schemas.microsoft.com/office/powerpoint/2010/main" xmlns:p15="http://schemas.microsoft.com/office/powerpoint/2012/main" xmlns:ahyp="http://schemas.microsoft.com/office/drawing/2018/hyperlinkcolor">
   <p:cSld>
     <p:spTree>
       <p:nvGrpSpPr>
-        <p:cNvPr id="147" name="Shape 147"/>
+        <p:cNvPr id="143" name="Shape 143"/>
         <p:cNvGrpSpPr/>
         <p:nvPr/>
       </p:nvGrpSpPr>
@@ -10003,7 +9420,7 @@
       </p:grpSpPr>
       <p:sp>
         <p:nvSpPr>
-          <p:cNvPr id="148" name="Google Shape;148;p25"/>
+          <p:cNvPr id="144" name="Google Shape;144;p24"/>
           <p:cNvSpPr txBox="1"/>
           <p:nvPr>
             <p:ph type="title"/>
@@ -10047,7 +9464,7 @@
       </p:sp>
       <p:sp>
         <p:nvSpPr>
-          <p:cNvPr id="149" name="Google Shape;149;p25"/>
+          <p:cNvPr id="145" name="Google Shape;145;p24"/>
           <p:cNvSpPr txBox="1"/>
           <p:nvPr/>
         </p:nvSpPr>
@@ -10154,7 +9571,7 @@
       </p:sp>
       <p:pic>
         <p:nvPicPr>
-          <p:cNvPr id="150" name="Google Shape;150;p25"/>
+          <p:cNvPr id="146" name="Google Shape;146;p24"/>
           <p:cNvPicPr preferRelativeResize="0"/>
           <p:nvPr/>
         </p:nvPicPr>
@@ -10182,7 +9599,7 @@
       </p:pic>
       <p:pic>
         <p:nvPicPr>
-          <p:cNvPr id="151" name="Google Shape;151;p25"/>
+          <p:cNvPr id="147" name="Google Shape;147;p24"/>
           <p:cNvPicPr preferRelativeResize="0"/>
           <p:nvPr/>
         </p:nvPicPr>
@@ -10210,7 +9627,7 @@
       </p:pic>
       <p:sp>
         <p:nvSpPr>
-          <p:cNvPr id="152" name="Google Shape;152;p25"/>
+          <p:cNvPr id="148" name="Google Shape;148;p24"/>
           <p:cNvSpPr/>
           <p:nvPr/>
         </p:nvSpPr>
@@ -10263,12 +9680,12 @@
 </p:sld>
 </file>
 
-<file path=ppt/slides/slide14.xml><?xml version="1.0" encoding="utf-8"?>
+<file path=ppt/slides/slide13.xml><?xml version="1.0" encoding="utf-8"?>
 <p:sld xmlns:a="http://schemas.openxmlformats.org/drawingml/2006/main" xmlns:r="http://schemas.openxmlformats.org/officeDocument/2006/relationships" xmlns:mc="http://schemas.openxmlformats.org/markup-compatibility/2006" xmlns:mv="urn:schemas-microsoft-com:mac:vml" xmlns:p="http://schemas.openxmlformats.org/presentationml/2006/main" xmlns:c="http://schemas.openxmlformats.org/drawingml/2006/chart" xmlns:dgm="http://schemas.openxmlformats.org/drawingml/2006/diagram" xmlns:o="urn:schemas-microsoft-com:office:office" xmlns:v="urn:schemas-microsoft-com:vml" xmlns:pvml="urn:schemas-microsoft-com:office:powerpoint" xmlns:com="http://schemas.openxmlformats.org/drawingml/2006/compatibility" xmlns:p14="http://schemas.microsoft.com/office/powerpoint/2010/main" xmlns:p15="http://schemas.microsoft.com/office/powerpoint/2012/main" xmlns:ahyp="http://schemas.microsoft.com/office/drawing/2018/hyperlinkcolor">
   <p:cSld>
     <p:spTree>
       <p:nvGrpSpPr>
-        <p:cNvPr id="156" name="Shape 156"/>
+        <p:cNvPr id="152" name="Shape 152"/>
         <p:cNvGrpSpPr/>
         <p:nvPr/>
       </p:nvGrpSpPr>
@@ -10282,7 +9699,7 @@
       </p:grpSpPr>
       <p:sp>
         <p:nvSpPr>
-          <p:cNvPr id="157" name="Google Shape;157;p26"/>
+          <p:cNvPr id="153" name="Google Shape;153;p25"/>
           <p:cNvSpPr txBox="1"/>
           <p:nvPr>
             <p:ph type="title"/>
@@ -10322,7 +9739,7 @@
       </p:sp>
       <p:sp>
         <p:nvSpPr>
-          <p:cNvPr id="158" name="Google Shape;158;p26"/>
+          <p:cNvPr id="154" name="Google Shape;154;p25"/>
           <p:cNvSpPr txBox="1"/>
           <p:nvPr>
             <p:ph idx="1" type="body"/>
@@ -10414,7 +9831,7 @@
             </a:pPr>
             <a:r>
               <a:rPr lang="en"/>
-              <a:t>161,643 rows of data (test and stock movement)</a:t>
+              <a:t>371K rows of data (test and stock movement)</a:t>
             </a:r>
             <a:endParaRPr/>
           </a:p>
@@ -10464,7 +9881,7 @@
       </p:sp>
       <p:pic>
         <p:nvPicPr>
-          <p:cNvPr id="159" name="Google Shape;159;p26"/>
+          <p:cNvPr id="155" name="Google Shape;155;p25"/>
           <p:cNvPicPr preferRelativeResize="0"/>
           <p:nvPr/>
         </p:nvPicPr>
@@ -10498,12 +9915,12 @@
 </p:sld>
 </file>
 
-<file path=ppt/slides/slide15.xml><?xml version="1.0" encoding="utf-8"?>
+<file path=ppt/slides/slide14.xml><?xml version="1.0" encoding="utf-8"?>
 <p:sld xmlns:a="http://schemas.openxmlformats.org/drawingml/2006/main" xmlns:r="http://schemas.openxmlformats.org/officeDocument/2006/relationships" xmlns:mc="http://schemas.openxmlformats.org/markup-compatibility/2006" xmlns:mv="urn:schemas-microsoft-com:mac:vml" xmlns:p="http://schemas.openxmlformats.org/presentationml/2006/main" xmlns:c="http://schemas.openxmlformats.org/drawingml/2006/chart" xmlns:dgm="http://schemas.openxmlformats.org/drawingml/2006/diagram" xmlns:o="urn:schemas-microsoft-com:office:office" xmlns:v="urn:schemas-microsoft-com:vml" xmlns:pvml="urn:schemas-microsoft-com:office:powerpoint" xmlns:com="http://schemas.openxmlformats.org/drawingml/2006/compatibility" xmlns:p14="http://schemas.microsoft.com/office/powerpoint/2010/main" xmlns:p15="http://schemas.microsoft.com/office/powerpoint/2012/main" xmlns:ahyp="http://schemas.microsoft.com/office/drawing/2018/hyperlinkcolor">
   <p:cSld>
     <p:spTree>
       <p:nvGrpSpPr>
-        <p:cNvPr id="163" name="Shape 163"/>
+        <p:cNvPr id="159" name="Shape 159"/>
         <p:cNvGrpSpPr/>
         <p:nvPr/>
       </p:nvGrpSpPr>
@@ -10517,7 +9934,7 @@
       </p:grpSpPr>
       <p:sp>
         <p:nvSpPr>
-          <p:cNvPr id="164" name="Google Shape;164;p27"/>
+          <p:cNvPr id="160" name="Google Shape;160;p26"/>
           <p:cNvSpPr txBox="1"/>
           <p:nvPr>
             <p:ph type="title"/>
@@ -10549,7 +9966,7 @@
             </a:pPr>
             <a:r>
               <a:rPr lang="en"/>
-              <a:t>Reddit Analysis</a:t>
+              <a:t>Reddit Analysis (2 years)</a:t>
             </a:r>
             <a:endParaRPr/>
           </a:p>
@@ -10557,7 +9974,7 @@
       </p:sp>
       <p:pic>
         <p:nvPicPr>
-          <p:cNvPr id="165" name="Google Shape;165;p27"/>
+          <p:cNvPr id="161" name="Google Shape;161;p26"/>
           <p:cNvPicPr preferRelativeResize="0"/>
           <p:nvPr/>
         </p:nvPicPr>
@@ -10571,8 +9988,64 @@
         </p:blipFill>
         <p:spPr>
           <a:xfrm>
-            <a:off x="2245238" y="1429425"/>
-            <a:ext cx="4653518" cy="3714075"/>
+            <a:off x="311725" y="1401000"/>
+            <a:ext cx="2819867" cy="2250600"/>
+          </a:xfrm>
+          <a:prstGeom prst="rect">
+            <a:avLst/>
+          </a:prstGeom>
+          <a:noFill/>
+          <a:ln>
+            <a:noFill/>
+          </a:ln>
+        </p:spPr>
+      </p:pic>
+      <p:pic>
+        <p:nvPicPr>
+          <p:cNvPr id="162" name="Google Shape;162;p26"/>
+          <p:cNvPicPr preferRelativeResize="0"/>
+          <p:nvPr/>
+        </p:nvPicPr>
+        <p:blipFill>
+          <a:blip r:embed="rId4">
+            <a:alphaModFix/>
+          </a:blip>
+          <a:stretch>
+            <a:fillRect/>
+          </a:stretch>
+        </p:blipFill>
+        <p:spPr>
+          <a:xfrm>
+            <a:off x="3320351" y="1401000"/>
+            <a:ext cx="5437000" cy="2250600"/>
+          </a:xfrm>
+          <a:prstGeom prst="rect">
+            <a:avLst/>
+          </a:prstGeom>
+          <a:noFill/>
+          <a:ln>
+            <a:noFill/>
+          </a:ln>
+        </p:spPr>
+      </p:pic>
+      <p:pic>
+        <p:nvPicPr>
+          <p:cNvPr id="163" name="Google Shape;163;p26"/>
+          <p:cNvPicPr preferRelativeResize="0"/>
+          <p:nvPr/>
+        </p:nvPicPr>
+        <p:blipFill>
+          <a:blip r:embed="rId5">
+            <a:alphaModFix/>
+          </a:blip>
+          <a:stretch>
+            <a:fillRect/>
+          </a:stretch>
+        </p:blipFill>
+        <p:spPr>
+          <a:xfrm>
+            <a:off x="507625" y="3804000"/>
+            <a:ext cx="8543925" cy="904875"/>
           </a:xfrm>
           <a:prstGeom prst="rect">
             <a:avLst/>
@@ -10591,12 +10064,12 @@
 </p:sld>
 </file>
 
-<file path=ppt/slides/slide16.xml><?xml version="1.0" encoding="utf-8"?>
+<file path=ppt/slides/slide15.xml><?xml version="1.0" encoding="utf-8"?>
 <p:sld xmlns:a="http://schemas.openxmlformats.org/drawingml/2006/main" xmlns:r="http://schemas.openxmlformats.org/officeDocument/2006/relationships" xmlns:mc="http://schemas.openxmlformats.org/markup-compatibility/2006" xmlns:mv="urn:schemas-microsoft-com:mac:vml" xmlns:p="http://schemas.openxmlformats.org/presentationml/2006/main" xmlns:c="http://schemas.openxmlformats.org/drawingml/2006/chart" xmlns:dgm="http://schemas.openxmlformats.org/drawingml/2006/diagram" xmlns:o="urn:schemas-microsoft-com:office:office" xmlns:v="urn:schemas-microsoft-com:vml" xmlns:pvml="urn:schemas-microsoft-com:office:powerpoint" xmlns:com="http://schemas.openxmlformats.org/drawingml/2006/compatibility" xmlns:p14="http://schemas.microsoft.com/office/powerpoint/2010/main" xmlns:p15="http://schemas.microsoft.com/office/powerpoint/2012/main" xmlns:ahyp="http://schemas.microsoft.com/office/drawing/2018/hyperlinkcolor">
   <p:cSld>
     <p:spTree>
       <p:nvGrpSpPr>
-        <p:cNvPr id="169" name="Shape 169"/>
+        <p:cNvPr id="167" name="Shape 167"/>
         <p:cNvGrpSpPr/>
         <p:nvPr/>
       </p:nvGrpSpPr>
@@ -10610,7 +10083,7 @@
       </p:grpSpPr>
       <p:sp>
         <p:nvSpPr>
-          <p:cNvPr id="170" name="Google Shape;170;p28"/>
+          <p:cNvPr id="168" name="Google Shape;168;p27"/>
           <p:cNvSpPr txBox="1"/>
           <p:nvPr>
             <p:ph type="title"/>
@@ -10642,7 +10115,19 @@
             </a:pPr>
             <a:r>
               <a:rPr lang="en"/>
-              <a:t>Reddit Analysis Cont.	</a:t>
+              <a:t>Reddit Analysis (</a:t>
+            </a:r>
+            <a:r>
+              <a:rPr lang="en">
+                <a:solidFill>
+                  <a:srgbClr val="FFFFFF"/>
+                </a:solidFill>
+              </a:rPr>
+              <a:t>3 Months – by 15 minutes</a:t>
+            </a:r>
+            <a:r>
+              <a:rPr lang="en"/>
+              <a:t>)</a:t>
             </a:r>
             <a:endParaRPr/>
           </a:p>
@@ -10650,20 +10135,22 @@
       </p:sp>
       <p:sp>
         <p:nvSpPr>
-          <p:cNvPr id="171" name="Google Shape;171;p28"/>
+          <p:cNvPr id="169" name="Google Shape;169;p27"/>
           <p:cNvSpPr txBox="1"/>
-          <p:nvPr>
-            <p:ph idx="1" type="body"/>
-          </p:nvPr>
+          <p:nvPr/>
         </p:nvSpPr>
         <p:spPr>
           <a:xfrm>
-            <a:off x="311700" y="1505700"/>
-            <a:ext cx="8520600" cy="560100"/>
+            <a:off x="983725" y="3732550"/>
+            <a:ext cx="7848600" cy="1065600"/>
           </a:xfrm>
           <a:prstGeom prst="rect">
             <a:avLst/>
           </a:prstGeom>
+          <a:noFill/>
+          <a:ln>
+            <a:noFill/>
+          </a:ln>
         </p:spPr>
         <p:txBody>
           <a:bodyPr anchorCtr="0" anchor="t" bIns="91425" lIns="91425" spcFirstLastPara="1" rIns="91425" wrap="square" tIns="91425">
@@ -10676,21 +10163,87 @@
                 <a:spcPts val="0"/>
               </a:spcBef>
               <a:spcAft>
-                <a:spcPts val="1600"/>
-              </a:spcAft>
-              <a:buNone/>
-            </a:pPr>
-            <a:r>
-              <a:rPr lang="en"/>
-              <a:t>Correlation between polarity counts and hourly price (0.6625)</a:t>
-            </a:r>
-            <a:endParaRPr/>
+                <a:spcPts val="0"/>
+              </a:spcAft>
+              <a:buNone/>
+            </a:pPr>
+            <a:r>
+              <a:rPr b="1" lang="en" sz="1450">
+                <a:solidFill>
+                  <a:srgbClr val="1D1C1D"/>
+                </a:solidFill>
+                <a:highlight>
+                  <a:srgbClr val="F8F8F8"/>
+                </a:highlight>
+              </a:rPr>
+              <a:t>Which one comes first? </a:t>
+            </a:r>
+            <a:endParaRPr b="1" sz="1450">
+              <a:solidFill>
+                <a:srgbClr val="1D1C1D"/>
+              </a:solidFill>
+              <a:highlight>
+                <a:srgbClr val="F8F8F8"/>
+              </a:highlight>
+            </a:endParaRPr>
+          </a:p>
+          <a:p>
+            <a:pPr indent="0" lvl="0" marL="0" rtl="0" algn="l">
+              <a:spcBef>
+                <a:spcPts val="0"/>
+              </a:spcBef>
+              <a:spcAft>
+                <a:spcPts val="0"/>
+              </a:spcAft>
+              <a:buNone/>
+            </a:pPr>
+            <a:r>
+              <a:t/>
+            </a:r>
+            <a:endParaRPr b="1" sz="1450">
+              <a:solidFill>
+                <a:srgbClr val="1D1C1D"/>
+              </a:solidFill>
+              <a:highlight>
+                <a:srgbClr val="F8F8F8"/>
+              </a:highlight>
+            </a:endParaRPr>
+          </a:p>
+          <a:p>
+            <a:pPr indent="0" lvl="0" marL="0" rtl="0" algn="l">
+              <a:spcBef>
+                <a:spcPts val="0"/>
+              </a:spcBef>
+              <a:spcAft>
+                <a:spcPts val="0"/>
+              </a:spcAft>
+              <a:buNone/>
+            </a:pPr>
+            <a:r>
+              <a:rPr b="1" lang="en" sz="1450">
+                <a:solidFill>
+                  <a:srgbClr val="1D1C1D"/>
+                </a:solidFill>
+                <a:highlight>
+                  <a:srgbClr val="F8F8F8"/>
+                </a:highlight>
+              </a:rPr>
+              <a:t>We need to determine if the stock price is moving twitter/reddit or the other way around</a:t>
+            </a:r>
+            <a:endParaRPr b="1" sz="1450">
+              <a:solidFill>
+                <a:srgbClr val="1D1C1D"/>
+              </a:solidFill>
+              <a:highlight>
+                <a:srgbClr val="F8F8F8"/>
+              </a:highlight>
+            </a:endParaRPr>
           </a:p>
         </p:txBody>
       </p:sp>
       <p:pic>
         <p:nvPicPr>
-          <p:cNvPr id="172" name="Google Shape;172;p28"/>
+          <p:cNvPr id="170" name="Google Shape;170;p27"/>
           <p:cNvPicPr preferRelativeResize="0"/>
           <p:nvPr/>
         </p:nvPicPr>
@@ -10704,8 +10257,368 @@
         </p:blipFill>
         <p:spPr>
           <a:xfrm>
-            <a:off x="814037" y="1855025"/>
-            <a:ext cx="7515976" cy="3111175"/>
+            <a:off x="848625" y="1490150"/>
+            <a:ext cx="3923176" cy="2005150"/>
+          </a:xfrm>
+          <a:prstGeom prst="rect">
+            <a:avLst/>
+          </a:prstGeom>
+          <a:noFill/>
+          <a:ln>
+            <a:noFill/>
+          </a:ln>
+        </p:spPr>
+      </p:pic>
+      <p:pic>
+        <p:nvPicPr>
+          <p:cNvPr id="171" name="Google Shape;171;p27"/>
+          <p:cNvPicPr preferRelativeResize="0"/>
+          <p:nvPr/>
+        </p:nvPicPr>
+        <p:blipFill>
+          <a:blip r:embed="rId4">
+            <a:alphaModFix/>
+          </a:blip>
+          <a:stretch>
+            <a:fillRect/>
+          </a:stretch>
+        </p:blipFill>
+        <p:spPr>
+          <a:xfrm>
+            <a:off x="4856175" y="1426013"/>
+            <a:ext cx="3824075" cy="2005150"/>
+          </a:xfrm>
+          <a:prstGeom prst="rect">
+            <a:avLst/>
+          </a:prstGeom>
+          <a:noFill/>
+          <a:ln>
+            <a:noFill/>
+          </a:ln>
+        </p:spPr>
+      </p:pic>
+      <p:sp>
+        <p:nvSpPr>
+          <p:cNvPr id="172" name="Google Shape;172;p27"/>
+          <p:cNvSpPr/>
+          <p:nvPr/>
+        </p:nvSpPr>
+        <p:spPr>
+          <a:xfrm>
+            <a:off x="1802225" y="1690825"/>
+            <a:ext cx="909300" cy="1719300"/>
+          </a:xfrm>
+          <a:prstGeom prst="rect">
+            <a:avLst/>
+          </a:prstGeom>
+          <a:noFill/>
+          <a:ln cap="flat" cmpd="sng" w="28575">
+            <a:solidFill>
+              <a:srgbClr val="FF0000"/>
+            </a:solidFill>
+            <a:prstDash val="solid"/>
+            <a:round/>
+            <a:headEnd len="sm" w="sm" type="none"/>
+            <a:tailEnd len="sm" w="sm" type="none"/>
+          </a:ln>
+        </p:spPr>
+        <p:txBody>
+          <a:bodyPr anchorCtr="0" anchor="ctr" bIns="91425" lIns="91425" spcFirstLastPara="1" rIns="91425" wrap="square" tIns="91425">
+            <a:noAutofit/>
+          </a:bodyPr>
+          <a:lstStyle/>
+          <a:p>
+            <a:pPr indent="0" lvl="0" marL="0" rtl="0" algn="l">
+              <a:spcBef>
+                <a:spcPts val="0"/>
+              </a:spcBef>
+              <a:spcAft>
+                <a:spcPts val="0"/>
+              </a:spcAft>
+              <a:buNone/>
+            </a:pPr>
+            <a:r>
+              <a:t/>
+            </a:r>
+            <a:endParaRPr/>
+          </a:p>
+        </p:txBody>
+      </p:sp>
+      <p:sp>
+        <p:nvSpPr>
+          <p:cNvPr id="173" name="Google Shape;173;p27"/>
+          <p:cNvSpPr/>
+          <p:nvPr/>
+        </p:nvSpPr>
+        <p:spPr>
+          <a:xfrm>
+            <a:off x="2746600" y="1321525"/>
+            <a:ext cx="2074500" cy="369300"/>
+          </a:xfrm>
+          <a:prstGeom prst="curvedDownArrow">
+            <a:avLst>
+              <a:gd fmla="val 25000" name="adj1"/>
+              <a:gd fmla="val 50000" name="adj2"/>
+              <a:gd fmla="val 25000" name="adj3"/>
+            </a:avLst>
+          </a:prstGeom>
+          <a:solidFill>
+            <a:srgbClr val="FF0000"/>
+          </a:solidFill>
+          <a:ln cap="flat" cmpd="sng" w="9525">
+            <a:solidFill>
+              <a:srgbClr val="FF0000"/>
+            </a:solidFill>
+            <a:prstDash val="solid"/>
+            <a:round/>
+            <a:headEnd len="sm" w="sm" type="none"/>
+            <a:tailEnd len="sm" w="sm" type="none"/>
+          </a:ln>
+        </p:spPr>
+        <p:txBody>
+          <a:bodyPr anchorCtr="0" anchor="ctr" bIns="91425" lIns="91425" spcFirstLastPara="1" rIns="91425" wrap="square" tIns="91425">
+            <a:noAutofit/>
+          </a:bodyPr>
+          <a:lstStyle/>
+          <a:p>
+            <a:pPr indent="0" lvl="0" marL="0" rtl="0" algn="l">
+              <a:spcBef>
+                <a:spcPts val="0"/>
+              </a:spcBef>
+              <a:spcAft>
+                <a:spcPts val="0"/>
+              </a:spcAft>
+              <a:buNone/>
+            </a:pPr>
+            <a:r>
+              <a:t/>
+            </a:r>
+            <a:endParaRPr/>
+          </a:p>
+        </p:txBody>
+      </p:sp>
+    </p:spTree>
+  </p:cSld>
+  <p:clrMapOvr>
+    <a:masterClrMapping/>
+  </p:clrMapOvr>
+</p:sld>
+</file>
+
+<file path=ppt/slides/slide16.xml><?xml version="1.0" encoding="utf-8"?>
+<p:sld xmlns:a="http://schemas.openxmlformats.org/drawingml/2006/main" xmlns:r="http://schemas.openxmlformats.org/officeDocument/2006/relationships" xmlns:mc="http://schemas.openxmlformats.org/markup-compatibility/2006" xmlns:mv="urn:schemas-microsoft-com:mac:vml" xmlns:p="http://schemas.openxmlformats.org/presentationml/2006/main" xmlns:c="http://schemas.openxmlformats.org/drawingml/2006/chart" xmlns:dgm="http://schemas.openxmlformats.org/drawingml/2006/diagram" xmlns:o="urn:schemas-microsoft-com:office:office" xmlns:v="urn:schemas-microsoft-com:vml" xmlns:pvml="urn:schemas-microsoft-com:office:powerpoint" xmlns:com="http://schemas.openxmlformats.org/drawingml/2006/compatibility" xmlns:p14="http://schemas.microsoft.com/office/powerpoint/2010/main" xmlns:p15="http://schemas.microsoft.com/office/powerpoint/2012/main" xmlns:ahyp="http://schemas.microsoft.com/office/drawing/2018/hyperlinkcolor">
+  <p:cSld>
+    <p:spTree>
+      <p:nvGrpSpPr>
+        <p:cNvPr id="177" name="Shape 177"/>
+        <p:cNvGrpSpPr/>
+        <p:nvPr/>
+      </p:nvGrpSpPr>
+      <p:grpSpPr>
+        <a:xfrm>
+          <a:off x="0" y="0"/>
+          <a:ext cx="0" cy="0"/>
+          <a:chOff x="0" y="0"/>
+          <a:chExt cx="0" cy="0"/>
+        </a:xfrm>
+      </p:grpSpPr>
+      <p:sp>
+        <p:nvSpPr>
+          <p:cNvPr id="178" name="Google Shape;178;p28"/>
+          <p:cNvSpPr txBox="1"/>
+          <p:nvPr>
+            <p:ph type="title"/>
+          </p:nvPr>
+        </p:nvSpPr>
+        <p:spPr>
+          <a:xfrm>
+            <a:off x="311300" y="500925"/>
+            <a:ext cx="3704400" cy="1456500"/>
+          </a:xfrm>
+          <a:prstGeom prst="rect">
+            <a:avLst/>
+          </a:prstGeom>
+        </p:spPr>
+        <p:txBody>
+          <a:bodyPr anchorCtr="0" anchor="t" bIns="91425" lIns="91425" spcFirstLastPara="1" rIns="91425" wrap="square" tIns="91425">
+            <a:noAutofit/>
+          </a:bodyPr>
+          <a:lstStyle/>
+          <a:p>
+            <a:pPr indent="0" lvl="0" marL="0" rtl="0" algn="l">
+              <a:spcBef>
+                <a:spcPts val="0"/>
+              </a:spcBef>
+              <a:spcAft>
+                <a:spcPts val="0"/>
+              </a:spcAft>
+              <a:buNone/>
+            </a:pPr>
+            <a:r>
+              <a:rPr lang="en"/>
+              <a:t>Twitter RNN_LSTM</a:t>
+            </a:r>
+            <a:endParaRPr/>
+          </a:p>
+          <a:p>
+            <a:pPr indent="0" lvl="0" marL="0" rtl="0" algn="l">
+              <a:spcBef>
+                <a:spcPts val="0"/>
+              </a:spcBef>
+              <a:spcAft>
+                <a:spcPts val="0"/>
+              </a:spcAft>
+              <a:buNone/>
+            </a:pPr>
+            <a:r>
+              <a:rPr lang="en"/>
+              <a:t>Conclusion</a:t>
+            </a:r>
+            <a:endParaRPr/>
+          </a:p>
+        </p:txBody>
+      </p:sp>
+      <p:sp>
+        <p:nvSpPr>
+          <p:cNvPr id="179" name="Google Shape;179;p28"/>
+          <p:cNvSpPr txBox="1"/>
+          <p:nvPr>
+            <p:ph idx="1" type="subTitle"/>
+          </p:nvPr>
+        </p:nvSpPr>
+        <p:spPr>
+          <a:xfrm>
+            <a:off x="311300" y="2247150"/>
+            <a:ext cx="3704400" cy="2556900"/>
+          </a:xfrm>
+          <a:prstGeom prst="rect">
+            <a:avLst/>
+          </a:prstGeom>
+        </p:spPr>
+        <p:txBody>
+          <a:bodyPr anchorCtr="0" anchor="t" bIns="91425" lIns="91425" spcFirstLastPara="1" rIns="91425" wrap="square" tIns="91425">
+            <a:noAutofit/>
+          </a:bodyPr>
+          <a:lstStyle/>
+          <a:p>
+            <a:pPr indent="0" lvl="0" marL="0" rtl="0" algn="l">
+              <a:spcBef>
+                <a:spcPts val="0"/>
+              </a:spcBef>
+              <a:spcAft>
+                <a:spcPts val="0"/>
+              </a:spcAft>
+              <a:buNone/>
+            </a:pPr>
+            <a:r>
+              <a:rPr lang="en"/>
+              <a:t>Took Twitter text data and combined it with the movement, either up or down. </a:t>
+            </a:r>
+            <a:endParaRPr/>
+          </a:p>
+          <a:p>
+            <a:pPr indent="0" lvl="0" marL="0" rtl="0" algn="l">
+              <a:spcBef>
+                <a:spcPts val="0"/>
+              </a:spcBef>
+              <a:spcAft>
+                <a:spcPts val="0"/>
+              </a:spcAft>
+              <a:buNone/>
+            </a:pPr>
+            <a:r>
+              <a:rPr lang="en"/>
+              <a:t>Ran this through an LSTM model to see how </a:t>
+            </a:r>
+            <a:r>
+              <a:rPr lang="en"/>
+              <a:t>accurate</a:t>
+            </a:r>
+            <a:r>
+              <a:rPr lang="en"/>
+              <a:t> it could be at predicting stock movement based on Tweets from Twitter. </a:t>
+            </a:r>
+            <a:endParaRPr/>
+          </a:p>
+          <a:p>
+            <a:pPr indent="0" lvl="0" marL="0" rtl="0" algn="l">
+              <a:spcBef>
+                <a:spcPts val="0"/>
+              </a:spcBef>
+              <a:spcAft>
+                <a:spcPts val="0"/>
+              </a:spcAft>
+              <a:buNone/>
+            </a:pPr>
+            <a:r>
+              <a:t/>
+            </a:r>
+            <a:endParaRPr/>
+          </a:p>
+          <a:p>
+            <a:pPr indent="0" lvl="0" marL="0" rtl="0" algn="l">
+              <a:spcBef>
+                <a:spcPts val="0"/>
+              </a:spcBef>
+              <a:spcAft>
+                <a:spcPts val="0"/>
+              </a:spcAft>
+              <a:buNone/>
+            </a:pPr>
+            <a:r>
+              <a:rPr lang="en"/>
+              <a:t>Conclusion is the model was only accurate 52% of the time.</a:t>
+            </a:r>
+            <a:endParaRPr/>
+          </a:p>
+        </p:txBody>
+      </p:sp>
+      <p:pic>
+        <p:nvPicPr>
+          <p:cNvPr id="180" name="Google Shape;180;p28"/>
+          <p:cNvPicPr preferRelativeResize="0"/>
+          <p:nvPr/>
+        </p:nvPicPr>
+        <p:blipFill>
+          <a:blip r:embed="rId3">
+            <a:alphaModFix/>
+          </a:blip>
+          <a:stretch>
+            <a:fillRect/>
+          </a:stretch>
+        </p:blipFill>
+        <p:spPr>
+          <a:xfrm>
+            <a:off x="5515950" y="809000"/>
+            <a:ext cx="3048175" cy="526650"/>
+          </a:xfrm>
+          <a:prstGeom prst="rect">
+            <a:avLst/>
+          </a:prstGeom>
+          <a:noFill/>
+          <a:ln>
+            <a:noFill/>
+          </a:ln>
+        </p:spPr>
+      </p:pic>
+      <p:pic>
+        <p:nvPicPr>
+          <p:cNvPr id="181" name="Google Shape;181;p28"/>
+          <p:cNvPicPr preferRelativeResize="0"/>
+          <p:nvPr/>
+        </p:nvPicPr>
+        <p:blipFill>
+          <a:blip r:embed="rId4">
+            <a:alphaModFix/>
+          </a:blip>
+          <a:stretch>
+            <a:fillRect/>
+          </a:stretch>
+        </p:blipFill>
+        <p:spPr>
+          <a:xfrm>
+            <a:off x="4757375" y="2436850"/>
+            <a:ext cx="4248150" cy="1676400"/>
           </a:xfrm>
           <a:prstGeom prst="rect">
             <a:avLst/>
@@ -10729,7 +10642,7 @@
   <p:cSld>
     <p:spTree>
       <p:nvGrpSpPr>
-        <p:cNvPr id="176" name="Shape 176"/>
+        <p:cNvPr id="185" name="Shape 185"/>
         <p:cNvGrpSpPr/>
         <p:nvPr/>
       </p:nvGrpSpPr>
@@ -10743,7 +10656,7 @@
       </p:grpSpPr>
       <p:sp>
         <p:nvSpPr>
-          <p:cNvPr id="177" name="Google Shape;177;p29"/>
+          <p:cNvPr id="186" name="Google Shape;186;p29"/>
           <p:cNvSpPr txBox="1"/>
           <p:nvPr>
             <p:ph type="title"/>
@@ -10783,7 +10696,7 @@
       </p:sp>
       <p:sp>
         <p:nvSpPr>
-          <p:cNvPr id="178" name="Google Shape;178;p29"/>
+          <p:cNvPr id="187" name="Google Shape;187;p29"/>
           <p:cNvSpPr txBox="1"/>
           <p:nvPr>
             <p:ph idx="1" type="subTitle"/>
@@ -10887,7 +10800,7 @@
       </p:sp>
       <p:pic>
         <p:nvPicPr>
-          <p:cNvPr id="179" name="Google Shape;179;p29"/>
+          <p:cNvPr id="188" name="Google Shape;188;p29"/>
           <p:cNvPicPr preferRelativeResize="0"/>
           <p:nvPr/>
         </p:nvPicPr>
@@ -10926,7 +10839,7 @@
   <p:cSld>
     <p:spTree>
       <p:nvGrpSpPr>
-        <p:cNvPr id="183" name="Shape 183"/>
+        <p:cNvPr id="192" name="Shape 192"/>
         <p:cNvGrpSpPr/>
         <p:nvPr/>
       </p:nvGrpSpPr>
@@ -10940,7 +10853,7 @@
       </p:grpSpPr>
       <p:sp>
         <p:nvSpPr>
-          <p:cNvPr id="184" name="Google Shape;184;p30"/>
+          <p:cNvPr id="193" name="Google Shape;193;p30"/>
           <p:cNvSpPr txBox="1"/>
           <p:nvPr>
             <p:ph type="title"/>
@@ -10948,8 +10861,8 @@
         </p:nvSpPr>
         <p:spPr>
           <a:xfrm>
-            <a:off x="311300" y="500925"/>
-            <a:ext cx="3704400" cy="1456500"/>
+            <a:off x="311725" y="500925"/>
+            <a:ext cx="8520600" cy="623700"/>
           </a:xfrm>
           <a:prstGeom prst="rect">
             <a:avLst/>
@@ -10972,22 +10885,6 @@
             </a:pPr>
             <a:r>
               <a:rPr lang="en"/>
-              <a:t>Twitter RNN_LSTM</a:t>
-            </a:r>
-            <a:endParaRPr/>
-          </a:p>
-          <a:p>
-            <a:pPr indent="0" lvl="0" marL="0" rtl="0" algn="l">
-              <a:spcBef>
-                <a:spcPts val="0"/>
-              </a:spcBef>
-              <a:spcAft>
-                <a:spcPts val="0"/>
-              </a:spcAft>
-              <a:buNone/>
-            </a:pPr>
-            <a:r>
-              <a:rPr lang="en"/>
               <a:t>Conclusion</a:t>
             </a:r>
             <a:endParaRPr/>
@@ -10996,16 +10893,16 @@
       </p:sp>
       <p:sp>
         <p:nvSpPr>
-          <p:cNvPr id="185" name="Google Shape;185;p30"/>
+          <p:cNvPr id="194" name="Google Shape;194;p30"/>
           <p:cNvSpPr txBox="1"/>
           <p:nvPr>
-            <p:ph idx="1" type="subTitle"/>
+            <p:ph idx="1" type="body"/>
           </p:nvPr>
         </p:nvSpPr>
         <p:spPr>
           <a:xfrm>
-            <a:off x="311300" y="2247150"/>
-            <a:ext cx="3704400" cy="2556900"/>
+            <a:off x="311700" y="1505700"/>
+            <a:ext cx="8331000" cy="2668200"/>
           </a:xfrm>
           <a:prstGeom prst="rect">
             <a:avLst/>
@@ -11027,10 +10924,32 @@
               <a:buNone/>
             </a:pPr>
             <a:r>
-              <a:rPr lang="en"/>
-              <a:t>Took Twitter text data and combined it with the movement, either up or down. </a:t>
-            </a:r>
-            <a:endParaRPr/>
+              <a:rPr lang="en" sz="1150">
+                <a:solidFill>
+                  <a:srgbClr val="1D1C1D"/>
+                </a:solidFill>
+                <a:highlight>
+                  <a:srgbClr val="FFFFFF"/>
+                </a:highlight>
+                <a:latin typeface="Arial"/>
+                <a:ea typeface="Arial"/>
+                <a:cs typeface="Arial"/>
+                <a:sym typeface="Arial"/>
+              </a:rPr>
+              <a:t>TextBlob can be a good tool in terms of having subjectivity scores, comparing to Vader which only gives polarity-oriented ones.</a:t>
+            </a:r>
+            <a:endParaRPr sz="1150">
+              <a:solidFill>
+                <a:srgbClr val="1D1C1D"/>
+              </a:solidFill>
+              <a:highlight>
+                <a:srgbClr val="FFFFFF"/>
+              </a:highlight>
+              <a:latin typeface="Arial"/>
+              <a:ea typeface="Arial"/>
+              <a:cs typeface="Arial"/>
+              <a:sym typeface="Arial"/>
+            </a:endParaRPr>
           </a:p>
           <a:p>
             <a:pPr indent="0" lvl="0" marL="0" rtl="0" algn="l">
@@ -11043,18 +10962,20 @@
               <a:buNone/>
             </a:pPr>
             <a:r>
-              <a:rPr lang="en"/>
-              <a:t>Ran this through an LSTM model to see how </a:t>
-            </a:r>
-            <a:r>
-              <a:rPr lang="en"/>
-              <a:t>accurate</a:t>
-            </a:r>
-            <a:r>
-              <a:rPr lang="en"/>
-              <a:t> it could be at predicting stock movement based on Tweets from Twitter. </a:t>
-            </a:r>
-            <a:endParaRPr/>
+              <a:t/>
+            </a:r>
+            <a:endParaRPr sz="1150">
+              <a:solidFill>
+                <a:srgbClr val="1D1C1D"/>
+              </a:solidFill>
+              <a:highlight>
+                <a:srgbClr val="FFFFFF"/>
+              </a:highlight>
+              <a:latin typeface="Arial"/>
+              <a:ea typeface="Arial"/>
+              <a:cs typeface="Arial"/>
+              <a:sym typeface="Arial"/>
+            </a:endParaRPr>
           </a:p>
           <a:p>
             <a:pPr indent="0" lvl="0" marL="0" rtl="0" algn="l">
@@ -11067,9 +10988,58 @@
               <a:buNone/>
             </a:pPr>
             <a:r>
+              <a:rPr lang="en" sz="1150">
+                <a:solidFill>
+                  <a:srgbClr val="1D1C1D"/>
+                </a:solidFill>
+                <a:highlight>
+                  <a:srgbClr val="FFFFFF"/>
+                </a:highlight>
+                <a:latin typeface="Arial"/>
+                <a:ea typeface="Arial"/>
+                <a:cs typeface="Arial"/>
+                <a:sym typeface="Arial"/>
+              </a:rPr>
+              <a:t>Less subjective texts tend to give more distinguishable results than those not.</a:t>
+            </a:r>
+            <a:endParaRPr sz="1150">
+              <a:solidFill>
+                <a:srgbClr val="1D1C1D"/>
+              </a:solidFill>
+              <a:highlight>
+                <a:srgbClr val="FFFFFF"/>
+              </a:highlight>
+              <a:latin typeface="Arial"/>
+              <a:ea typeface="Arial"/>
+              <a:cs typeface="Arial"/>
+              <a:sym typeface="Arial"/>
+            </a:endParaRPr>
+          </a:p>
+          <a:p>
+            <a:pPr indent="0" lvl="0" marL="0" rtl="0" algn="l">
+              <a:spcBef>
+                <a:spcPts val="0"/>
+              </a:spcBef>
+              <a:spcAft>
+                <a:spcPts val="0"/>
+              </a:spcAft>
+              <a:buNone/>
+            </a:pPr>
+            <a:r>
               <a:t/>
             </a:r>
-            <a:endParaRPr/>
+            <a:endParaRPr sz="1150">
+              <a:solidFill>
+                <a:srgbClr val="1D1C1D"/>
+              </a:solidFill>
+              <a:highlight>
+                <a:srgbClr val="FFFFFF"/>
+              </a:highlight>
+              <a:latin typeface="Arial"/>
+              <a:ea typeface="Arial"/>
+              <a:cs typeface="Arial"/>
+              <a:sym typeface="Arial"/>
+            </a:endParaRPr>
           </a:p>
           <a:p>
             <a:pPr indent="0" lvl="0" marL="0" rtl="0" algn="l">
@@ -11082,69 +11052,326 @@
               <a:buNone/>
             </a:pPr>
             <a:r>
-              <a:rPr lang="en"/>
-              <a:t>Conclusion is the model was only accurate 52% of the time.</a:t>
+              <a:rPr lang="en" sz="1150">
+                <a:solidFill>
+                  <a:srgbClr val="1D1C1D"/>
+                </a:solidFill>
+                <a:highlight>
+                  <a:srgbClr val="FFFFFF"/>
+                </a:highlight>
+                <a:latin typeface="Arial"/>
+                <a:ea typeface="Arial"/>
+                <a:cs typeface="Arial"/>
+                <a:sym typeface="Arial"/>
+              </a:rPr>
+              <a:t>Likewise, texts generated around market hours are more distinguishable in finding out correlations than those not.</a:t>
+            </a:r>
+            <a:endParaRPr sz="1150">
+              <a:solidFill>
+                <a:srgbClr val="1D1C1D"/>
+              </a:solidFill>
+              <a:highlight>
+                <a:srgbClr val="FFFFFF"/>
+              </a:highlight>
+              <a:latin typeface="Arial"/>
+              <a:ea typeface="Arial"/>
+              <a:cs typeface="Arial"/>
+              <a:sym typeface="Arial"/>
+            </a:endParaRPr>
+          </a:p>
+          <a:p>
+            <a:pPr indent="0" lvl="0" marL="0" rtl="0" algn="l">
+              <a:spcBef>
+                <a:spcPts val="0"/>
+              </a:spcBef>
+              <a:spcAft>
+                <a:spcPts val="0"/>
+              </a:spcAft>
+              <a:buNone/>
+            </a:pPr>
+            <a:r>
+              <a:t/>
+            </a:r>
+            <a:endParaRPr b="1" sz="1150">
+              <a:solidFill>
+                <a:srgbClr val="1D1C1D"/>
+              </a:solidFill>
+              <a:highlight>
+                <a:srgbClr val="FFFFFF"/>
+              </a:highlight>
+              <a:latin typeface="Arial"/>
+              <a:ea typeface="Arial"/>
+              <a:cs typeface="Arial"/>
+              <a:sym typeface="Arial"/>
+            </a:endParaRPr>
+          </a:p>
+          <a:p>
+            <a:pPr indent="0" lvl="0" marL="0" rtl="0" algn="l">
+              <a:spcBef>
+                <a:spcPts val="0"/>
+              </a:spcBef>
+              <a:spcAft>
+                <a:spcPts val="0"/>
+              </a:spcAft>
+              <a:buNone/>
+            </a:pPr>
+            <a:r>
+              <a:rPr b="1" lang="en" sz="1150">
+                <a:solidFill>
+                  <a:srgbClr val="1D1C1D"/>
+                </a:solidFill>
+                <a:highlight>
+                  <a:srgbClr val="FFFFFF"/>
+                </a:highlight>
+                <a:latin typeface="Arial"/>
+                <a:ea typeface="Arial"/>
+                <a:cs typeface="Arial"/>
+                <a:sym typeface="Arial"/>
+              </a:rPr>
+              <a:t>Positive Elon Musk(CEO) tweets in more objective tones have some impact on price (return).</a:t>
+            </a:r>
+            <a:endParaRPr b="1" sz="1150">
+              <a:solidFill>
+                <a:srgbClr val="1D1C1D"/>
+              </a:solidFill>
+              <a:highlight>
+                <a:srgbClr val="FFFFFF"/>
+              </a:highlight>
+              <a:latin typeface="Arial"/>
+              <a:ea typeface="Arial"/>
+              <a:cs typeface="Arial"/>
+              <a:sym typeface="Arial"/>
+            </a:endParaRPr>
+          </a:p>
+          <a:p>
+            <a:pPr indent="-228600" lvl="0" marL="723900" rtl="0" algn="l">
+              <a:spcBef>
+                <a:spcPts val="0"/>
+              </a:spcBef>
+              <a:spcAft>
+                <a:spcPts val="0"/>
+              </a:spcAft>
+              <a:buClr>
+                <a:srgbClr val="1D1C1D"/>
+              </a:buClr>
+              <a:buSzPts val="1150"/>
+              <a:buFont typeface="Arial"/>
+              <a:buNone/>
+            </a:pPr>
+            <a:r>
+              <a:t/>
+            </a:r>
+            <a:endParaRPr b="1" sz="1150">
+              <a:solidFill>
+                <a:srgbClr val="1D1C1D"/>
+              </a:solidFill>
+              <a:highlight>
+                <a:srgbClr val="FFFFFF"/>
+              </a:highlight>
+              <a:latin typeface="Arial"/>
+              <a:ea typeface="Arial"/>
+              <a:cs typeface="Arial"/>
+              <a:sym typeface="Arial"/>
+            </a:endParaRPr>
+          </a:p>
+          <a:p>
+            <a:pPr indent="0" lvl="0" marL="0" rtl="0" algn="l">
+              <a:spcBef>
+                <a:spcPts val="0"/>
+              </a:spcBef>
+              <a:spcAft>
+                <a:spcPts val="0"/>
+              </a:spcAft>
+              <a:buNone/>
+            </a:pPr>
+            <a:r>
+              <a:rPr b="1" lang="en" sz="1150">
+                <a:solidFill>
+                  <a:srgbClr val="1D1C1D"/>
+                </a:solidFill>
+                <a:highlight>
+                  <a:srgbClr val="FFFFFF"/>
+                </a:highlight>
+                <a:latin typeface="Arial"/>
+                <a:ea typeface="Arial"/>
+                <a:cs typeface="Arial"/>
+                <a:sym typeface="Arial"/>
+              </a:rPr>
+              <a:t>For mass texts from Twitter or Reddit, show a meaningful correlation with stock price in terms of the number of texts</a:t>
+            </a:r>
+            <a:r>
+              <a:rPr lang="en" sz="1150">
+                <a:solidFill>
+                  <a:srgbClr val="1D1C1D"/>
+                </a:solidFill>
+                <a:highlight>
+                  <a:srgbClr val="FFFFFF"/>
+                </a:highlight>
+                <a:latin typeface="Arial"/>
+                <a:ea typeface="Arial"/>
+                <a:cs typeface="Arial"/>
+                <a:sym typeface="Arial"/>
+              </a:rPr>
+              <a:t>. The more texts, the more price movement observed.</a:t>
+            </a:r>
+            <a:endParaRPr sz="1150">
+              <a:solidFill>
+                <a:srgbClr val="1D1C1D"/>
+              </a:solidFill>
+              <a:highlight>
+                <a:srgbClr val="FFFFFF"/>
+              </a:highlight>
+              <a:latin typeface="Arial"/>
+              <a:ea typeface="Arial"/>
+              <a:cs typeface="Arial"/>
+              <a:sym typeface="Arial"/>
+            </a:endParaRPr>
+          </a:p>
+          <a:p>
+            <a:pPr indent="0" lvl="0" marL="0" rtl="0" algn="l">
+              <a:spcBef>
+                <a:spcPts val="0"/>
+              </a:spcBef>
+              <a:spcAft>
+                <a:spcPts val="0"/>
+              </a:spcAft>
+              <a:buNone/>
+            </a:pPr>
+            <a:r>
+              <a:t/>
+            </a:r>
+            <a:endParaRPr sz="1150">
+              <a:solidFill>
+                <a:srgbClr val="1D1C1D"/>
+              </a:solidFill>
+              <a:highlight>
+                <a:srgbClr val="FFFFFF"/>
+              </a:highlight>
+              <a:latin typeface="Arial"/>
+              <a:ea typeface="Arial"/>
+              <a:cs typeface="Arial"/>
+              <a:sym typeface="Arial"/>
+            </a:endParaRPr>
+          </a:p>
+          <a:p>
+            <a:pPr indent="0" lvl="0" marL="0" rtl="0" algn="l">
+              <a:spcBef>
+                <a:spcPts val="0"/>
+              </a:spcBef>
+              <a:spcAft>
+                <a:spcPts val="0"/>
+              </a:spcAft>
+              <a:buNone/>
+            </a:pPr>
+            <a:r>
+              <a:rPr lang="en" sz="1150">
+                <a:solidFill>
+                  <a:srgbClr val="1D1C1D"/>
+                </a:solidFill>
+                <a:highlight>
+                  <a:srgbClr val="FFFFFF"/>
+                </a:highlight>
+                <a:latin typeface="Arial"/>
+                <a:ea typeface="Arial"/>
+                <a:cs typeface="Arial"/>
+                <a:sym typeface="Arial"/>
+              </a:rPr>
+              <a:t>We couldn't find any meaningful correlation from tweets by Tesla Company with stock price. The small number of data might have made it difficult to observe (Tesla company does not tweet often, especially for the last six months)</a:t>
+            </a:r>
+            <a:endParaRPr sz="1150">
+              <a:solidFill>
+                <a:srgbClr val="1D1C1D"/>
+              </a:solidFill>
+              <a:highlight>
+                <a:srgbClr val="FFFFFF"/>
+              </a:highlight>
+              <a:latin typeface="Arial"/>
+              <a:ea typeface="Arial"/>
+              <a:cs typeface="Arial"/>
+              <a:sym typeface="Arial"/>
+            </a:endParaRPr>
+          </a:p>
+          <a:p>
+            <a:pPr indent="0" lvl="0" marL="0" rtl="0" algn="l">
+              <a:spcBef>
+                <a:spcPts val="0"/>
+              </a:spcBef>
+              <a:spcAft>
+                <a:spcPts val="0"/>
+              </a:spcAft>
+              <a:buNone/>
+            </a:pPr>
+            <a:r>
+              <a:t/>
+            </a:r>
+            <a:endParaRPr sz="1150">
+              <a:solidFill>
+                <a:srgbClr val="1D1C1D"/>
+              </a:solidFill>
+              <a:highlight>
+                <a:srgbClr val="FFFFFF"/>
+              </a:highlight>
+              <a:latin typeface="Arial"/>
+              <a:ea typeface="Arial"/>
+              <a:cs typeface="Arial"/>
+              <a:sym typeface="Arial"/>
+            </a:endParaRPr>
+          </a:p>
+          <a:p>
+            <a:pPr indent="0" lvl="0" marL="0" rtl="0" algn="l">
+              <a:spcBef>
+                <a:spcPts val="0"/>
+              </a:spcBef>
+              <a:spcAft>
+                <a:spcPts val="0"/>
+              </a:spcAft>
+              <a:buNone/>
+            </a:pPr>
+            <a:r>
+              <a:rPr lang="en" sz="1150">
+                <a:solidFill>
+                  <a:srgbClr val="1D1C1D"/>
+                </a:solidFill>
+                <a:highlight>
+                  <a:srgbClr val="FFFFFF"/>
+                </a:highlight>
+                <a:latin typeface="Arial"/>
+                <a:ea typeface="Arial"/>
+                <a:cs typeface="Arial"/>
+                <a:sym typeface="Arial"/>
+              </a:rPr>
+              <a:t>We might be able to use the sentiment analysis as one of indicators in building an algorithmic trading.</a:t>
+            </a:r>
+            <a:endParaRPr sz="1150">
+              <a:solidFill>
+                <a:srgbClr val="1D1C1D"/>
+              </a:solidFill>
+              <a:highlight>
+                <a:srgbClr val="FFFFFF"/>
+              </a:highlight>
+              <a:latin typeface="Arial"/>
+              <a:ea typeface="Arial"/>
+              <a:cs typeface="Arial"/>
+              <a:sym typeface="Arial"/>
+            </a:endParaRPr>
+          </a:p>
+          <a:p>
+            <a:pPr indent="0" lvl="0" marL="0" rtl="0" algn="l">
+              <a:spcBef>
+                <a:spcPts val="0"/>
+              </a:spcBef>
+              <a:spcAft>
+                <a:spcPts val="1600"/>
+              </a:spcAft>
+              <a:buNone/>
+            </a:pPr>
+            <a:r>
+              <a:t/>
             </a:r>
             <a:endParaRPr/>
           </a:p>
         </p:txBody>
       </p:sp>
-      <p:pic>
-        <p:nvPicPr>
-          <p:cNvPr id="186" name="Google Shape;186;p30"/>
-          <p:cNvPicPr preferRelativeResize="0"/>
-          <p:nvPr/>
-        </p:nvPicPr>
-        <p:blipFill>
-          <a:blip r:embed="rId3">
-            <a:alphaModFix/>
-          </a:blip>
-          <a:stretch>
-            <a:fillRect/>
-          </a:stretch>
-        </p:blipFill>
-        <p:spPr>
-          <a:xfrm>
-            <a:off x="5515950" y="809000"/>
-            <a:ext cx="3048175" cy="526650"/>
-          </a:xfrm>
-          <a:prstGeom prst="rect">
-            <a:avLst/>
-          </a:prstGeom>
-          <a:noFill/>
-          <a:ln>
-            <a:noFill/>
-          </a:ln>
-        </p:spPr>
-      </p:pic>
-      <p:pic>
-        <p:nvPicPr>
-          <p:cNvPr id="187" name="Google Shape;187;p30"/>
-          <p:cNvPicPr preferRelativeResize="0"/>
-          <p:nvPr/>
-        </p:nvPicPr>
-        <p:blipFill>
-          <a:blip r:embed="rId4">
-            <a:alphaModFix/>
-          </a:blip>
-          <a:stretch>
-            <a:fillRect/>
-          </a:stretch>
-        </p:blipFill>
-        <p:spPr>
-          <a:xfrm>
-            <a:off x="4757375" y="2436850"/>
-            <a:ext cx="4248150" cy="1676400"/>
-          </a:xfrm>
-          <a:prstGeom prst="rect">
-            <a:avLst/>
-          </a:prstGeom>
-          <a:noFill/>
-          <a:ln>
-            <a:noFill/>
-          </a:ln>
-        </p:spPr>
-      </p:pic>
     </p:spTree>
   </p:cSld>
   <p:clrMapOvr>
@@ -11158,7 +11385,7 @@
   <p:cSld>
     <p:spTree>
       <p:nvGrpSpPr>
-        <p:cNvPr id="191" name="Shape 191"/>
+        <p:cNvPr id="198" name="Shape 198"/>
         <p:cNvGrpSpPr/>
         <p:nvPr/>
       </p:nvGrpSpPr>
@@ -11172,7 +11399,7 @@
       </p:grpSpPr>
       <p:sp>
         <p:nvSpPr>
-          <p:cNvPr id="192" name="Google Shape;192;p31"/>
+          <p:cNvPr id="199" name="Google Shape;199;p31"/>
           <p:cNvSpPr txBox="1"/>
           <p:nvPr>
             <p:ph type="title"/>
@@ -11228,7 +11455,7 @@
       </p:sp>
       <p:sp>
         <p:nvSpPr>
-          <p:cNvPr id="193" name="Google Shape;193;p31"/>
+          <p:cNvPr id="200" name="Google Shape;200;p31"/>
           <p:cNvSpPr txBox="1"/>
           <p:nvPr>
             <p:ph idx="1" type="body"/>
@@ -11301,7 +11528,7 @@
             </a:pPr>
             <a:r>
               <a:rPr lang="en"/>
-              <a:t>Is the sentiment score from TextBlob and Vader reliable enough to find any real correlations with the stock price? We observed not a few texts that weren’t classified correctly. </a:t>
+              <a:t>More time needed to clean the reddit data.  Reddit contained many posts that were noise and junk.</a:t>
             </a:r>
             <a:endParaRPr/>
           </a:p>
@@ -11318,24 +11545,15 @@
             </a:pPr>
             <a:r>
               <a:rPr lang="en"/>
-              <a:t>For twitter, the API had a restriction on days(7 days), and web crawling also had a limit on the pages shown at a given period of a time, which made us difficult to get sufficient data. </a:t>
-            </a:r>
-            <a:endParaRPr/>
-          </a:p>
-          <a:p>
-            <a:pPr indent="-311150" lvl="0" marL="457200" rtl="0" algn="l">
-              <a:spcBef>
-                <a:spcPts val="0"/>
-              </a:spcBef>
-              <a:spcAft>
-                <a:spcPts val="0"/>
-              </a:spcAft>
-              <a:buSzPts val="1300"/>
-              <a:buChar char="-"/>
-            </a:pPr>
+              <a:t>Possible </a:t>
+            </a:r>
             <a:r>
               <a:rPr lang="en"/>
-              <a:t>More time needed to clean the reddit data.  Reddit contained many posts that were noise and junk.</a:t>
+              <a:t>opportunity</a:t>
+            </a:r>
+            <a:r>
+              <a:rPr lang="en"/>
+              <a:t> to examine how long the stock price holds vs time.  </a:t>
             </a:r>
             <a:endParaRPr/>
           </a:p>
@@ -11464,7 +11682,7 @@
             </a:r>
             <a:r>
               <a:rPr lang="en"/>
-              <a:t>, and news articles to examine sentiment utilizing various machine learning models.  </a:t>
+              <a:t>, and news articles to examine sentiment utilizing machine learning models.  </a:t>
             </a:r>
             <a:endParaRPr/>
           </a:p>
@@ -11635,7 +11853,7 @@
             </a:pPr>
             <a:r>
               <a:rPr lang="en"/>
-              <a:t> Is there a correlation between stock price movements and sentiment related to comments on yahoo finance, twitter, reddit, and news sources?</a:t>
+              <a:t>Is there a correlation between stock price movements and sentiment related to comments on yahoo finance, twitter, reddit, and news sources?</a:t>
             </a:r>
             <a:endParaRPr/>
           </a:p>
@@ -11654,7 +11872,7 @@
             </a:pPr>
             <a:r>
               <a:rPr lang="en"/>
-              <a:t>  Does Elon Musk Twitter comments drive the stock price more than social media?</a:t>
+              <a:t>Does Elon Musk Twitter comments drive the stock price more than social media?</a:t>
             </a:r>
             <a:endParaRPr/>
           </a:p>
@@ -11673,7 +11891,7 @@
             </a:pPr>
             <a:r>
               <a:rPr lang="en"/>
-              <a:t> Can various comments and news articles be used to predict the movements of a stock price?</a:t>
+              <a:t>Can various comments and news articles be used to predict the movements of a stock price?</a:t>
             </a:r>
             <a:endParaRPr/>
           </a:p>
@@ -11751,6 +11969,459 @@
         <p:spPr>
           <a:xfrm>
             <a:off x="311725" y="500925"/>
+            <a:ext cx="8520600" cy="623700"/>
+          </a:xfrm>
+          <a:prstGeom prst="rect">
+            <a:avLst/>
+          </a:prstGeom>
+        </p:spPr>
+        <p:txBody>
+          <a:bodyPr anchorCtr="0" anchor="t" bIns="91425" lIns="91425" spcFirstLastPara="1" rIns="91425" wrap="square" tIns="91425">
+            <a:noAutofit/>
+          </a:bodyPr>
+          <a:lstStyle/>
+          <a:p>
+            <a:pPr indent="0" lvl="0" marL="0" rtl="0" algn="l">
+              <a:spcBef>
+                <a:spcPts val="0"/>
+              </a:spcBef>
+              <a:spcAft>
+                <a:spcPts val="0"/>
+              </a:spcAft>
+              <a:buNone/>
+            </a:pPr>
+            <a:r>
+              <a:rPr lang="en"/>
+              <a:t>Python Packages</a:t>
+            </a:r>
+            <a:endParaRPr/>
+          </a:p>
+        </p:txBody>
+      </p:sp>
+      <p:sp>
+        <p:nvSpPr>
+          <p:cNvPr id="83" name="Google Shape;83;p16"/>
+          <p:cNvSpPr txBox="1"/>
+          <p:nvPr>
+            <p:ph idx="1" type="body"/>
+          </p:nvPr>
+        </p:nvSpPr>
+        <p:spPr>
+          <a:xfrm>
+            <a:off x="311700" y="1505700"/>
+            <a:ext cx="3999900" cy="3479400"/>
+          </a:xfrm>
+          <a:prstGeom prst="rect">
+            <a:avLst/>
+          </a:prstGeom>
+        </p:spPr>
+        <p:txBody>
+          <a:bodyPr anchorCtr="0" anchor="t" bIns="91425" lIns="91425" spcFirstLastPara="1" rIns="91425" wrap="square" tIns="91425">
+            <a:noAutofit/>
+          </a:bodyPr>
+          <a:lstStyle/>
+          <a:p>
+            <a:pPr indent="0" lvl="0" marL="0" marR="0" rtl="0" algn="l">
+              <a:lnSpc>
+                <a:spcPct val="115000"/>
+              </a:lnSpc>
+              <a:spcBef>
+                <a:spcPts val="1200"/>
+              </a:spcBef>
+              <a:spcAft>
+                <a:spcPts val="0"/>
+              </a:spcAft>
+              <a:buNone/>
+            </a:pPr>
+            <a:r>
+              <a:rPr lang="en"/>
+              <a:t>·        Skle</a:t>
+            </a:r>
+            <a:r>
+              <a:rPr lang="en"/>
+              <a:t>arn</a:t>
+            </a:r>
+            <a:endParaRPr/>
+          </a:p>
+          <a:p>
+            <a:pPr indent="0" lvl="0" marL="0" marR="0" rtl="0" algn="l">
+              <a:lnSpc>
+                <a:spcPct val="115000"/>
+              </a:lnSpc>
+              <a:spcBef>
+                <a:spcPts val="1200"/>
+              </a:spcBef>
+              <a:spcAft>
+                <a:spcPts val="0"/>
+              </a:spcAft>
+              <a:buNone/>
+            </a:pPr>
+            <a:r>
+              <a:rPr lang="en"/>
+              <a:t>·     </a:t>
+            </a:r>
+            <a:r>
+              <a:rPr lang="en"/>
+              <a:t>   BeautifulSoup</a:t>
+            </a:r>
+            <a:endParaRPr/>
+          </a:p>
+          <a:p>
+            <a:pPr indent="0" lvl="0" marL="0" marR="0" rtl="0" algn="l">
+              <a:lnSpc>
+                <a:spcPct val="115000"/>
+              </a:lnSpc>
+              <a:spcBef>
+                <a:spcPts val="1200"/>
+              </a:spcBef>
+              <a:spcAft>
+                <a:spcPts val="0"/>
+              </a:spcAft>
+              <a:buNone/>
+            </a:pPr>
+            <a:r>
+              <a:rPr lang="en"/>
+              <a:t>·        Selenium</a:t>
+            </a:r>
+            <a:endParaRPr/>
+          </a:p>
+          <a:p>
+            <a:pPr indent="0" lvl="0" marL="0" marR="0" rtl="0" algn="l">
+              <a:lnSpc>
+                <a:spcPct val="115000"/>
+              </a:lnSpc>
+              <a:spcBef>
+                <a:spcPts val="1200"/>
+              </a:spcBef>
+              <a:spcAft>
+                <a:spcPts val="0"/>
+              </a:spcAft>
+              <a:buNone/>
+            </a:pPr>
+            <a:r>
+              <a:rPr lang="en"/>
+              <a:t>·        News API</a:t>
+            </a:r>
+            <a:endParaRPr/>
+          </a:p>
+          <a:p>
+            <a:pPr indent="0" lvl="0" marL="0" marR="0" rtl="0" algn="l">
+              <a:lnSpc>
+                <a:spcPct val="115000"/>
+              </a:lnSpc>
+              <a:spcBef>
+                <a:spcPts val="1200"/>
+              </a:spcBef>
+              <a:spcAft>
+                <a:spcPts val="0"/>
+              </a:spcAft>
+              <a:buNone/>
+            </a:pPr>
+            <a:r>
+              <a:rPr lang="en"/>
+              <a:t>·        NLTK</a:t>
+            </a:r>
+            <a:endParaRPr/>
+          </a:p>
+          <a:p>
+            <a:pPr indent="0" lvl="0" marL="0" marR="0" rtl="0" algn="l">
+              <a:lnSpc>
+                <a:spcPct val="115000"/>
+              </a:lnSpc>
+              <a:spcBef>
+                <a:spcPts val="1200"/>
+              </a:spcBef>
+              <a:spcAft>
+                <a:spcPts val="0"/>
+              </a:spcAft>
+              <a:buNone/>
+            </a:pPr>
+            <a:r>
+              <a:rPr lang="en"/>
+              <a:t>·        Pandas</a:t>
+            </a:r>
+            <a:endParaRPr/>
+          </a:p>
+          <a:p>
+            <a:pPr indent="0" lvl="0" marL="0" rtl="0" algn="l">
+              <a:spcBef>
+                <a:spcPts val="1200"/>
+              </a:spcBef>
+              <a:spcAft>
+                <a:spcPts val="0"/>
+              </a:spcAft>
+              <a:buNone/>
+            </a:pPr>
+            <a:r>
+              <a:rPr lang="en"/>
+              <a:t>·        Reddit API</a:t>
+            </a:r>
+            <a:endParaRPr/>
+          </a:p>
+          <a:p>
+            <a:pPr indent="0" lvl="0" marL="0" rtl="0" algn="l">
+              <a:spcBef>
+                <a:spcPts val="1200"/>
+              </a:spcBef>
+              <a:spcAft>
+                <a:spcPts val="0"/>
+              </a:spcAft>
+              <a:buNone/>
+            </a:pPr>
+            <a:r>
+              <a:rPr lang="en"/>
+              <a:t>  </a:t>
+            </a:r>
+            <a:endParaRPr/>
+          </a:p>
+          <a:p>
+            <a:pPr indent="0" lvl="0" marL="0" marR="0" rtl="0" algn="l">
+              <a:lnSpc>
+                <a:spcPct val="115000"/>
+              </a:lnSpc>
+              <a:spcBef>
+                <a:spcPts val="1200"/>
+              </a:spcBef>
+              <a:spcAft>
+                <a:spcPts val="0"/>
+              </a:spcAft>
+              <a:buNone/>
+            </a:pPr>
+            <a:r>
+              <a:t/>
+            </a:r>
+            <a:endParaRPr/>
+          </a:p>
+          <a:p>
+            <a:pPr indent="0" lvl="0" marL="0" marR="0" rtl="0" algn="l">
+              <a:lnSpc>
+                <a:spcPct val="115000"/>
+              </a:lnSpc>
+              <a:spcBef>
+                <a:spcPts val="1200"/>
+              </a:spcBef>
+              <a:spcAft>
+                <a:spcPts val="0"/>
+              </a:spcAft>
+              <a:buNone/>
+            </a:pPr>
+            <a:r>
+              <a:t/>
+            </a:r>
+            <a:endParaRPr/>
+          </a:p>
+          <a:p>
+            <a:pPr indent="0" lvl="0" marL="0" marR="0" rtl="0" algn="l">
+              <a:lnSpc>
+                <a:spcPct val="115000"/>
+              </a:lnSpc>
+              <a:spcBef>
+                <a:spcPts val="1200"/>
+              </a:spcBef>
+              <a:spcAft>
+                <a:spcPts val="1200"/>
+              </a:spcAft>
+              <a:buNone/>
+            </a:pPr>
+            <a:r>
+              <a:t/>
+            </a:r>
+            <a:endParaRPr/>
+          </a:p>
+        </p:txBody>
+      </p:sp>
+      <p:sp>
+        <p:nvSpPr>
+          <p:cNvPr id="84" name="Google Shape;84;p16"/>
+          <p:cNvSpPr txBox="1"/>
+          <p:nvPr>
+            <p:ph idx="2" type="body"/>
+          </p:nvPr>
+        </p:nvSpPr>
+        <p:spPr>
+          <a:xfrm>
+            <a:off x="4832400" y="1505700"/>
+            <a:ext cx="3999900" cy="3076200"/>
+          </a:xfrm>
+          <a:prstGeom prst="rect">
+            <a:avLst/>
+          </a:prstGeom>
+        </p:spPr>
+        <p:txBody>
+          <a:bodyPr anchorCtr="0" anchor="t" bIns="91425" lIns="91425" spcFirstLastPara="1" rIns="91425" wrap="square" tIns="91425">
+            <a:noAutofit/>
+          </a:bodyPr>
+          <a:lstStyle/>
+          <a:p>
+            <a:pPr indent="0" lvl="0" marL="0" marR="0" rtl="0" algn="l">
+              <a:lnSpc>
+                <a:spcPct val="115000"/>
+              </a:lnSpc>
+              <a:spcBef>
+                <a:spcPts val="1200"/>
+              </a:spcBef>
+              <a:spcAft>
+                <a:spcPts val="0"/>
+              </a:spcAft>
+              <a:buNone/>
+            </a:pPr>
+            <a:r>
+              <a:rPr lang="en"/>
+              <a:t>·        Numpy</a:t>
+            </a:r>
+            <a:endParaRPr/>
+          </a:p>
+          <a:p>
+            <a:pPr indent="0" lvl="0" marL="0" marR="0" rtl="0" algn="l">
+              <a:lnSpc>
+                <a:spcPct val="115000"/>
+              </a:lnSpc>
+              <a:spcBef>
+                <a:spcPts val="1200"/>
+              </a:spcBef>
+              <a:spcAft>
+                <a:spcPts val="0"/>
+              </a:spcAft>
+              <a:buNone/>
+            </a:pPr>
+            <a:r>
+              <a:rPr lang="en"/>
+              <a:t>·        Plotly</a:t>
+            </a:r>
+            <a:endParaRPr/>
+          </a:p>
+          <a:p>
+            <a:pPr indent="0" lvl="0" marL="0" marR="0" rtl="0" algn="l">
+              <a:lnSpc>
+                <a:spcPct val="115000"/>
+              </a:lnSpc>
+              <a:spcBef>
+                <a:spcPts val="1200"/>
+              </a:spcBef>
+              <a:spcAft>
+                <a:spcPts val="0"/>
+              </a:spcAft>
+              <a:buNone/>
+            </a:pPr>
+            <a:r>
+              <a:rPr lang="en"/>
+              <a:t>·        PRAW</a:t>
+            </a:r>
+            <a:endParaRPr/>
+          </a:p>
+          <a:p>
+            <a:pPr indent="0" lvl="0" marL="0" marR="0" rtl="0" algn="l">
+              <a:lnSpc>
+                <a:spcPct val="115000"/>
+              </a:lnSpc>
+              <a:spcBef>
+                <a:spcPts val="1200"/>
+              </a:spcBef>
+              <a:spcAft>
+                <a:spcPts val="0"/>
+              </a:spcAft>
+              <a:buNone/>
+            </a:pPr>
+            <a:r>
+              <a:rPr lang="en"/>
+              <a:t>·        Yahoo Finance (Python)</a:t>
+            </a:r>
+            <a:endParaRPr/>
+          </a:p>
+          <a:p>
+            <a:pPr indent="0" lvl="0" marL="0" marR="0" rtl="0" algn="l">
+              <a:lnSpc>
+                <a:spcPct val="115000"/>
+              </a:lnSpc>
+              <a:spcBef>
+                <a:spcPts val="1200"/>
+              </a:spcBef>
+              <a:spcAft>
+                <a:spcPts val="0"/>
+              </a:spcAft>
+              <a:buNone/>
+            </a:pPr>
+            <a:r>
+              <a:rPr lang="en"/>
+              <a:t>·        TextBlob</a:t>
+            </a:r>
+            <a:endParaRPr/>
+          </a:p>
+          <a:p>
+            <a:pPr indent="0" lvl="0" marL="0" marR="0" rtl="0" algn="l">
+              <a:lnSpc>
+                <a:spcPct val="115000"/>
+              </a:lnSpc>
+              <a:spcBef>
+                <a:spcPts val="1200"/>
+              </a:spcBef>
+              <a:spcAft>
+                <a:spcPts val="0"/>
+              </a:spcAft>
+              <a:buNone/>
+            </a:pPr>
+            <a:r>
+              <a:rPr lang="en"/>
+              <a:t>·        TensorFlow</a:t>
+            </a:r>
+            <a:endParaRPr/>
+          </a:p>
+          <a:p>
+            <a:pPr indent="0" lvl="0" marL="0" marR="0" rtl="0" algn="l">
+              <a:lnSpc>
+                <a:spcPct val="115000"/>
+              </a:lnSpc>
+              <a:spcBef>
+                <a:spcPts val="1200"/>
+              </a:spcBef>
+              <a:spcAft>
+                <a:spcPts val="1200"/>
+              </a:spcAft>
+              <a:buNone/>
+            </a:pPr>
+            <a:r>
+              <a:t/>
+            </a:r>
+            <a:endParaRPr/>
+          </a:p>
+        </p:txBody>
+      </p:sp>
+    </p:spTree>
+  </p:cSld>
+  <p:clrMapOvr>
+    <a:masterClrMapping/>
+  </p:clrMapOvr>
+</p:sld>
+</file>
+
+<file path=ppt/slides/slide5.xml><?xml version="1.0" encoding="utf-8"?>
+<p:sld xmlns:a="http://schemas.openxmlformats.org/drawingml/2006/main" xmlns:r="http://schemas.openxmlformats.org/officeDocument/2006/relationships" xmlns:mc="http://schemas.openxmlformats.org/markup-compatibility/2006" xmlns:mv="urn:schemas-microsoft-com:mac:vml" xmlns:p="http://schemas.openxmlformats.org/presentationml/2006/main" xmlns:c="http://schemas.openxmlformats.org/drawingml/2006/chart" xmlns:dgm="http://schemas.openxmlformats.org/drawingml/2006/diagram" xmlns:o="urn:schemas-microsoft-com:office:office" xmlns:v="urn:schemas-microsoft-com:vml" xmlns:pvml="urn:schemas-microsoft-com:office:powerpoint" xmlns:com="http://schemas.openxmlformats.org/drawingml/2006/compatibility" xmlns:p14="http://schemas.microsoft.com/office/powerpoint/2010/main" xmlns:p15="http://schemas.microsoft.com/office/powerpoint/2012/main" xmlns:ahyp="http://schemas.microsoft.com/office/drawing/2018/hyperlinkcolor">
+  <p:cSld>
+    <p:spTree>
+      <p:nvGrpSpPr>
+        <p:cNvPr id="88" name="Shape 88"/>
+        <p:cNvGrpSpPr/>
+        <p:nvPr/>
+      </p:nvGrpSpPr>
+      <p:grpSpPr>
+        <a:xfrm>
+          <a:off x="0" y="0"/>
+          <a:ext cx="0" cy="0"/>
+          <a:chOff x="0" y="0"/>
+          <a:chExt cx="0" cy="0"/>
+        </a:xfrm>
+      </p:grpSpPr>
+      <p:sp>
+        <p:nvSpPr>
+          <p:cNvPr id="89" name="Google Shape;89;p17"/>
+          <p:cNvSpPr txBox="1"/>
+          <p:nvPr>
+            <p:ph type="title"/>
+          </p:nvPr>
+        </p:nvSpPr>
+        <p:spPr>
+          <a:xfrm>
+            <a:off x="311725" y="500925"/>
             <a:ext cx="3706500" cy="2508900"/>
           </a:xfrm>
           <a:prstGeom prst="rect">
@@ -11774,7 +12445,7 @@
             </a:pPr>
             <a:r>
               <a:rPr lang="en"/>
-              <a:t>Data Sources</a:t>
+              <a:t>Analysis Methods</a:t>
             </a:r>
             <a:endParaRPr/>
           </a:p>
@@ -11782,7 +12453,7 @@
       </p:sp>
       <p:sp>
         <p:nvSpPr>
-          <p:cNvPr id="83" name="Google Shape;83;p16"/>
+          <p:cNvPr id="90" name="Google Shape;90;p17"/>
           <p:cNvSpPr txBox="1"/>
           <p:nvPr>
             <p:ph idx="1" type="body"/>
@@ -11816,32 +12487,8 @@
               <a:buNone/>
             </a:pPr>
             <a:r>
-              <a:rPr lang="en" sz="1100">
-                <a:solidFill>
-                  <a:srgbClr val="000000"/>
-                </a:solidFill>
-                <a:latin typeface="Arial"/>
-                <a:ea typeface="Arial"/>
-                <a:cs typeface="Arial"/>
-                <a:sym typeface="Arial"/>
-              </a:rPr>
-              <a:t>·</a:t>
-            </a:r>
-            <a:r>
-              <a:rPr lang="en" sz="700">
-                <a:solidFill>
-                  <a:srgbClr val="000000"/>
-                </a:solidFill>
-                <a:latin typeface="Times New Roman"/>
-                <a:ea typeface="Times New Roman"/>
-                <a:cs typeface="Times New Roman"/>
-                <a:sym typeface="Times New Roman"/>
-              </a:rPr>
-              <a:t>    </a:t>
-            </a:r>
-            <a:r>
               <a:rPr lang="en"/>
-              <a:t>    Yahoo Finance Comment Threads</a:t>
+              <a:t>·        Visualizations using plots</a:t>
             </a:r>
             <a:endParaRPr/>
           </a:p>
@@ -11860,7 +12507,7 @@
             </a:pPr>
             <a:r>
               <a:rPr lang="en"/>
-              <a:t>·        Twitter Comments – CEOs and the mass</a:t>
+              <a:t>·        Train/Test methods</a:t>
             </a:r>
             <a:endParaRPr/>
           </a:p>
@@ -11879,7 +12526,7 @@
             </a:pPr>
             <a:r>
               <a:rPr lang="en"/>
-              <a:t>·        Reddit Comments</a:t>
+              <a:t>·        Data frames</a:t>
             </a:r>
             <a:endParaRPr/>
           </a:p>
@@ -11898,7 +12545,7 @@
             </a:pPr>
             <a:r>
               <a:rPr lang="en"/>
-              <a:t>·        Reuters news</a:t>
+              <a:t>·        Text tokenization</a:t>
             </a:r>
             <a:endParaRPr/>
           </a:p>
@@ -11917,114 +12564,10 @@
             </a:pPr>
             <a:r>
               <a:rPr lang="en"/>
-              <a:t>·        News Articles via News API</a:t>
+              <a:t>·        Loops</a:t>
             </a:r>
             <a:endParaRPr/>
           </a:p>
-          <a:p>
-            <a:pPr indent="0" lvl="0" marL="0" rtl="0" algn="l">
-              <a:spcBef>
-                <a:spcPts val="1200"/>
-              </a:spcBef>
-              <a:spcAft>
-                <a:spcPts val="1600"/>
-              </a:spcAft>
-              <a:buNone/>
-            </a:pPr>
-            <a:r>
-              <a:t/>
-            </a:r>
-            <a:endParaRPr/>
-          </a:p>
-        </p:txBody>
-      </p:sp>
-    </p:spTree>
-  </p:cSld>
-  <p:clrMapOvr>
-    <a:masterClrMapping/>
-  </p:clrMapOvr>
-</p:sld>
-</file>
-
-<file path=ppt/slides/slide5.xml><?xml version="1.0" encoding="utf-8"?>
-<p:sld xmlns:a="http://schemas.openxmlformats.org/drawingml/2006/main" xmlns:r="http://schemas.openxmlformats.org/officeDocument/2006/relationships" xmlns:mc="http://schemas.openxmlformats.org/markup-compatibility/2006" xmlns:mv="urn:schemas-microsoft-com:mac:vml" xmlns:p="http://schemas.openxmlformats.org/presentationml/2006/main" xmlns:c="http://schemas.openxmlformats.org/drawingml/2006/chart" xmlns:dgm="http://schemas.openxmlformats.org/drawingml/2006/diagram" xmlns:o="urn:schemas-microsoft-com:office:office" xmlns:v="urn:schemas-microsoft-com:vml" xmlns:pvml="urn:schemas-microsoft-com:office:powerpoint" xmlns:com="http://schemas.openxmlformats.org/drawingml/2006/compatibility" xmlns:p14="http://schemas.microsoft.com/office/powerpoint/2010/main" xmlns:p15="http://schemas.microsoft.com/office/powerpoint/2012/main" xmlns:ahyp="http://schemas.microsoft.com/office/drawing/2018/hyperlinkcolor">
-  <p:cSld>
-    <p:spTree>
-      <p:nvGrpSpPr>
-        <p:cNvPr id="87" name="Shape 87"/>
-        <p:cNvGrpSpPr/>
-        <p:nvPr/>
-      </p:nvGrpSpPr>
-      <p:grpSpPr>
-        <a:xfrm>
-          <a:off x="0" y="0"/>
-          <a:ext cx="0" cy="0"/>
-          <a:chOff x="0" y="0"/>
-          <a:chExt cx="0" cy="0"/>
-        </a:xfrm>
-      </p:grpSpPr>
-      <p:sp>
-        <p:nvSpPr>
-          <p:cNvPr id="88" name="Google Shape;88;p17"/>
-          <p:cNvSpPr txBox="1"/>
-          <p:nvPr>
-            <p:ph type="title"/>
-          </p:nvPr>
-        </p:nvSpPr>
-        <p:spPr>
-          <a:xfrm>
-            <a:off x="311725" y="500925"/>
-            <a:ext cx="8520600" cy="623700"/>
-          </a:xfrm>
-          <a:prstGeom prst="rect">
-            <a:avLst/>
-          </a:prstGeom>
-        </p:spPr>
-        <p:txBody>
-          <a:bodyPr anchorCtr="0" anchor="t" bIns="91425" lIns="91425" spcFirstLastPara="1" rIns="91425" wrap="square" tIns="91425">
-            <a:noAutofit/>
-          </a:bodyPr>
-          <a:lstStyle/>
-          <a:p>
-            <a:pPr indent="0" lvl="0" marL="0" rtl="0" algn="l">
-              <a:spcBef>
-                <a:spcPts val="0"/>
-              </a:spcBef>
-              <a:spcAft>
-                <a:spcPts val="0"/>
-              </a:spcAft>
-              <a:buNone/>
-            </a:pPr>
-            <a:r>
-              <a:rPr lang="en"/>
-              <a:t>Python Packages</a:t>
-            </a:r>
-            <a:endParaRPr/>
-          </a:p>
-        </p:txBody>
-      </p:sp>
-      <p:sp>
-        <p:nvSpPr>
-          <p:cNvPr id="89" name="Google Shape;89;p17"/>
-          <p:cNvSpPr txBox="1"/>
-          <p:nvPr>
-            <p:ph idx="1" type="body"/>
-          </p:nvPr>
-        </p:nvSpPr>
-        <p:spPr>
-          <a:xfrm>
-            <a:off x="311700" y="1505700"/>
-            <a:ext cx="3999900" cy="3479400"/>
-          </a:xfrm>
-          <a:prstGeom prst="rect">
-            <a:avLst/>
-          </a:prstGeom>
-        </p:spPr>
-        <p:txBody>
-          <a:bodyPr anchorCtr="0" anchor="t" bIns="91425" lIns="91425" spcFirstLastPara="1" rIns="91425" wrap="square" tIns="91425">
-            <a:noAutofit/>
-          </a:bodyPr>
-          <a:lstStyle/>
           <a:p>
             <a:pPr indent="0" lvl="0" marL="0" marR="0" rtl="0" algn="l">
               <a:lnSpc>
@@ -12040,11 +12583,7 @@
             </a:pPr>
             <a:r>
               <a:rPr lang="en"/>
-              <a:t>·        Skle</a:t>
-            </a:r>
-            <a:r>
-              <a:rPr lang="en"/>
-              <a:t>arn</a:t>
+              <a:t>·        Sentiment Analysis</a:t>
             </a:r>
             <a:endParaRPr/>
           </a:p>
@@ -12062,312 +12601,7 @@
               <a:buNone/>
             </a:pPr>
             <a:r>
-              <a:rPr lang="en"/>
-              <a:t>·     </a:t>
-            </a:r>
-            <a:r>
-              <a:rPr lang="en"/>
-              <a:t>   BeautifulSoup</a:t>
-            </a:r>
-            <a:endParaRPr/>
-          </a:p>
-          <a:p>
-            <a:pPr indent="0" lvl="0" marL="0" marR="0" rtl="0" algn="l">
-              <a:lnSpc>
-                <a:spcPct val="115000"/>
-              </a:lnSpc>
-              <a:spcBef>
-                <a:spcPts val="1200"/>
-              </a:spcBef>
-              <a:spcAft>
-                <a:spcPts val="0"/>
-              </a:spcAft>
-              <a:buNone/>
-            </a:pPr>
-            <a:r>
-              <a:rPr lang="en"/>
-              <a:t>·        Selenium</a:t>
-            </a:r>
-            <a:endParaRPr/>
-          </a:p>
-          <a:p>
-            <a:pPr indent="0" lvl="0" marL="0" marR="0" rtl="0" algn="l">
-              <a:lnSpc>
-                <a:spcPct val="115000"/>
-              </a:lnSpc>
-              <a:spcBef>
-                <a:spcPts val="1200"/>
-              </a:spcBef>
-              <a:spcAft>
-                <a:spcPts val="0"/>
-              </a:spcAft>
-              <a:buNone/>
-            </a:pPr>
-            <a:r>
-              <a:rPr lang="en"/>
-              <a:t>·        News API</a:t>
-            </a:r>
-            <a:endParaRPr/>
-          </a:p>
-          <a:p>
-            <a:pPr indent="0" lvl="0" marL="0" marR="0" rtl="0" algn="l">
-              <a:lnSpc>
-                <a:spcPct val="115000"/>
-              </a:lnSpc>
-              <a:spcBef>
-                <a:spcPts val="1200"/>
-              </a:spcBef>
-              <a:spcAft>
-                <a:spcPts val="0"/>
-              </a:spcAft>
-              <a:buNone/>
-            </a:pPr>
-            <a:r>
-              <a:rPr lang="en"/>
-              <a:t>·        NLTK</a:t>
-            </a:r>
-            <a:endParaRPr/>
-          </a:p>
-          <a:p>
-            <a:pPr indent="0" lvl="0" marL="0" marR="0" rtl="0" algn="l">
-              <a:lnSpc>
-                <a:spcPct val="115000"/>
-              </a:lnSpc>
-              <a:spcBef>
-                <a:spcPts val="1200"/>
-              </a:spcBef>
-              <a:spcAft>
-                <a:spcPts val="0"/>
-              </a:spcAft>
-              <a:buNone/>
-            </a:pPr>
-            <a:r>
-              <a:rPr lang="en"/>
-              <a:t>·        Pandas</a:t>
-            </a:r>
-            <a:endParaRPr/>
-          </a:p>
-          <a:p>
-            <a:pPr indent="0" lvl="0" marL="0" rtl="0" algn="l">
-              <a:spcBef>
-                <a:spcPts val="1200"/>
-              </a:spcBef>
-              <a:spcAft>
-                <a:spcPts val="0"/>
-              </a:spcAft>
-              <a:buNone/>
-            </a:pPr>
-            <a:r>
-              <a:rPr lang="en"/>
-              <a:t>·        Reddit API</a:t>
-            </a:r>
-            <a:endParaRPr/>
-          </a:p>
-          <a:p>
-            <a:pPr indent="0" lvl="0" marL="0" rtl="0" algn="l">
-              <a:spcBef>
-                <a:spcPts val="1200"/>
-              </a:spcBef>
-              <a:spcAft>
-                <a:spcPts val="0"/>
-              </a:spcAft>
-              <a:buNone/>
-            </a:pPr>
-            <a:r>
-              <a:rPr lang="en"/>
-              <a:t>  </a:t>
-            </a:r>
-            <a:endParaRPr/>
-          </a:p>
-          <a:p>
-            <a:pPr indent="0" lvl="0" marL="0" marR="0" rtl="0" algn="l">
-              <a:lnSpc>
-                <a:spcPct val="115000"/>
-              </a:lnSpc>
-              <a:spcBef>
-                <a:spcPts val="1200"/>
-              </a:spcBef>
-              <a:spcAft>
-                <a:spcPts val="0"/>
-              </a:spcAft>
-              <a:buNone/>
-            </a:pPr>
-            <a:r>
               <a:t/>
-            </a:r>
-            <a:endParaRPr/>
-          </a:p>
-          <a:p>
-            <a:pPr indent="0" lvl="0" marL="0" marR="0" rtl="0" algn="l">
-              <a:lnSpc>
-                <a:spcPct val="115000"/>
-              </a:lnSpc>
-              <a:spcBef>
-                <a:spcPts val="1200"/>
-              </a:spcBef>
-              <a:spcAft>
-                <a:spcPts val="0"/>
-              </a:spcAft>
-              <a:buNone/>
-            </a:pPr>
-            <a:r>
-              <a:t/>
-            </a:r>
-            <a:endParaRPr/>
-          </a:p>
-          <a:p>
-            <a:pPr indent="0" lvl="0" marL="0" marR="0" rtl="0" algn="l">
-              <a:lnSpc>
-                <a:spcPct val="115000"/>
-              </a:lnSpc>
-              <a:spcBef>
-                <a:spcPts val="1200"/>
-              </a:spcBef>
-              <a:spcAft>
-                <a:spcPts val="1200"/>
-              </a:spcAft>
-              <a:buNone/>
-            </a:pPr>
-            <a:r>
-              <a:t/>
-            </a:r>
-            <a:endParaRPr/>
-          </a:p>
-        </p:txBody>
-      </p:sp>
-      <p:sp>
-        <p:nvSpPr>
-          <p:cNvPr id="90" name="Google Shape;90;p17"/>
-          <p:cNvSpPr txBox="1"/>
-          <p:nvPr>
-            <p:ph idx="2" type="body"/>
-          </p:nvPr>
-        </p:nvSpPr>
-        <p:spPr>
-          <a:xfrm>
-            <a:off x="4832400" y="1505700"/>
-            <a:ext cx="3999900" cy="3076200"/>
-          </a:xfrm>
-          <a:prstGeom prst="rect">
-            <a:avLst/>
-          </a:prstGeom>
-        </p:spPr>
-        <p:txBody>
-          <a:bodyPr anchorCtr="0" anchor="t" bIns="91425" lIns="91425" spcFirstLastPara="1" rIns="91425" wrap="square" tIns="91425">
-            <a:noAutofit/>
-          </a:bodyPr>
-          <a:lstStyle/>
-          <a:p>
-            <a:pPr indent="0" lvl="0" marL="0" marR="0" rtl="0" algn="l">
-              <a:lnSpc>
-                <a:spcPct val="115000"/>
-              </a:lnSpc>
-              <a:spcBef>
-                <a:spcPts val="1200"/>
-              </a:spcBef>
-              <a:spcAft>
-                <a:spcPts val="0"/>
-              </a:spcAft>
-              <a:buNone/>
-            </a:pPr>
-            <a:r>
-              <a:rPr lang="en"/>
-              <a:t>·        Numpy</a:t>
-            </a:r>
-            <a:endParaRPr/>
-          </a:p>
-          <a:p>
-            <a:pPr indent="0" lvl="0" marL="0" marR="0" rtl="0" algn="l">
-              <a:lnSpc>
-                <a:spcPct val="115000"/>
-              </a:lnSpc>
-              <a:spcBef>
-                <a:spcPts val="1200"/>
-              </a:spcBef>
-              <a:spcAft>
-                <a:spcPts val="0"/>
-              </a:spcAft>
-              <a:buNone/>
-            </a:pPr>
-            <a:r>
-              <a:rPr lang="en"/>
-              <a:t>·        Plotly</a:t>
-            </a:r>
-            <a:endParaRPr/>
-          </a:p>
-          <a:p>
-            <a:pPr indent="0" lvl="0" marL="0" marR="0" rtl="0" algn="l">
-              <a:lnSpc>
-                <a:spcPct val="115000"/>
-              </a:lnSpc>
-              <a:spcBef>
-                <a:spcPts val="1200"/>
-              </a:spcBef>
-              <a:spcAft>
-                <a:spcPts val="0"/>
-              </a:spcAft>
-              <a:buNone/>
-            </a:pPr>
-            <a:r>
-              <a:rPr lang="en"/>
-              <a:t>·        PRAW</a:t>
-            </a:r>
-            <a:endParaRPr/>
-          </a:p>
-          <a:p>
-            <a:pPr indent="0" lvl="0" marL="0" marR="0" rtl="0" algn="l">
-              <a:lnSpc>
-                <a:spcPct val="115000"/>
-              </a:lnSpc>
-              <a:spcBef>
-                <a:spcPts val="1200"/>
-              </a:spcBef>
-              <a:spcAft>
-                <a:spcPts val="0"/>
-              </a:spcAft>
-              <a:buNone/>
-            </a:pPr>
-            <a:r>
-              <a:rPr lang="en"/>
-              <a:t>·        Yahoo Finance (Python)</a:t>
-            </a:r>
-            <a:endParaRPr/>
-          </a:p>
-          <a:p>
-            <a:pPr indent="0" lvl="0" marL="0" marR="0" rtl="0" algn="l">
-              <a:lnSpc>
-                <a:spcPct val="115000"/>
-              </a:lnSpc>
-              <a:spcBef>
-                <a:spcPts val="1200"/>
-              </a:spcBef>
-              <a:spcAft>
-                <a:spcPts val="0"/>
-              </a:spcAft>
-              <a:buNone/>
-            </a:pPr>
-            <a:r>
-              <a:rPr lang="en"/>
-              <a:t>·        TextBlob</a:t>
-            </a:r>
-            <a:endParaRPr/>
-          </a:p>
-          <a:p>
-            <a:pPr indent="0" lvl="0" marL="0" marR="0" rtl="0" algn="l">
-              <a:lnSpc>
-                <a:spcPct val="115000"/>
-              </a:lnSpc>
-              <a:spcBef>
-                <a:spcPts val="1200"/>
-              </a:spcBef>
-              <a:spcAft>
-                <a:spcPts val="0"/>
-              </a:spcAft>
-              <a:buNone/>
-            </a:pPr>
-            <a:r>
-              <a:rPr lang="en"/>
-              <a:t>·        TensorFlow</a:t>
             </a:r>
             <a:endParaRPr/>
           </a:p>
@@ -12427,7 +12661,7 @@
         <p:spPr>
           <a:xfrm>
             <a:off x="311725" y="500925"/>
-            <a:ext cx="3706500" cy="2508900"/>
+            <a:ext cx="8520600" cy="623700"/>
           </a:xfrm>
           <a:prstGeom prst="rect">
             <a:avLst/>
@@ -12450,187 +12684,40 @@
             </a:pPr>
             <a:r>
               <a:rPr lang="en"/>
-              <a:t>Analysis Methods</a:t>
+              <a:t>Analysis Methodology - Resources</a:t>
             </a:r>
             <a:endParaRPr/>
           </a:p>
         </p:txBody>
       </p:sp>
-      <p:sp>
-        <p:nvSpPr>
+      <p:pic>
+        <p:nvPicPr>
           <p:cNvPr id="96" name="Google Shape;96;p18"/>
-          <p:cNvSpPr txBox="1"/>
-          <p:nvPr>
-            <p:ph idx="1" type="body"/>
-          </p:nvPr>
-        </p:nvSpPr>
+          <p:cNvPicPr preferRelativeResize="0"/>
+          <p:nvPr/>
+        </p:nvPicPr>
+        <p:blipFill>
+          <a:blip r:embed="rId3">
+            <a:alphaModFix/>
+          </a:blip>
+          <a:stretch>
+            <a:fillRect/>
+          </a:stretch>
+        </p:blipFill>
         <p:spPr>
           <a:xfrm>
-            <a:off x="4644675" y="500925"/>
-            <a:ext cx="4166400" cy="4098600"/>
+            <a:off x="139800" y="1277025"/>
+            <a:ext cx="8866151" cy="3714076"/>
           </a:xfrm>
           <a:prstGeom prst="rect">
             <a:avLst/>
           </a:prstGeom>
+          <a:noFill/>
+          <a:ln>
+            <a:noFill/>
+          </a:ln>
         </p:spPr>
-        <p:txBody>
-          <a:bodyPr anchorCtr="0" anchor="t" bIns="91425" lIns="91425" spcFirstLastPara="1" rIns="91425" wrap="square" tIns="91425">
-            <a:noAutofit/>
-          </a:bodyPr>
-          <a:lstStyle/>
-          <a:p>
-            <a:pPr indent="0" lvl="0" marL="0" marR="0" rtl="0" algn="l">
-              <a:lnSpc>
-                <a:spcPct val="115000"/>
-              </a:lnSpc>
-              <a:spcBef>
-                <a:spcPts val="1200"/>
-              </a:spcBef>
-              <a:spcAft>
-                <a:spcPts val="0"/>
-              </a:spcAft>
-              <a:buNone/>
-            </a:pPr>
-            <a:r>
-              <a:rPr lang="en"/>
-              <a:t>·        Visualizations using plots</a:t>
-            </a:r>
-            <a:endParaRPr/>
-          </a:p>
-          <a:p>
-            <a:pPr indent="0" lvl="0" marL="0" marR="0" rtl="0" algn="l">
-              <a:lnSpc>
-                <a:spcPct val="115000"/>
-              </a:lnSpc>
-              <a:spcBef>
-                <a:spcPts val="1200"/>
-              </a:spcBef>
-              <a:spcAft>
-                <a:spcPts val="0"/>
-              </a:spcAft>
-              <a:buNone/>
-            </a:pPr>
-            <a:r>
-              <a:rPr lang="en"/>
-              <a:t>·        Train/Test methods</a:t>
-            </a:r>
-            <a:endParaRPr/>
-          </a:p>
-          <a:p>
-            <a:pPr indent="0" lvl="0" marL="0" marR="0" rtl="0" algn="l">
-              <a:lnSpc>
-                <a:spcPct val="115000"/>
-              </a:lnSpc>
-              <a:spcBef>
-                <a:spcPts val="1200"/>
-              </a:spcBef>
-              <a:spcAft>
-                <a:spcPts val="0"/>
-              </a:spcAft>
-              <a:buNone/>
-            </a:pPr>
-            <a:r>
-              <a:rPr lang="en"/>
-              <a:t>·        Data frames</a:t>
-            </a:r>
-            <a:endParaRPr/>
-          </a:p>
-          <a:p>
-            <a:pPr indent="0" lvl="0" marL="0" marR="0" rtl="0" algn="l">
-              <a:lnSpc>
-                <a:spcPct val="115000"/>
-              </a:lnSpc>
-              <a:spcBef>
-                <a:spcPts val="1200"/>
-              </a:spcBef>
-              <a:spcAft>
-                <a:spcPts val="0"/>
-              </a:spcAft>
-              <a:buNone/>
-            </a:pPr>
-            <a:r>
-              <a:rPr lang="en"/>
-              <a:t>·        Possible text tokenization</a:t>
-            </a:r>
-            <a:endParaRPr/>
-          </a:p>
-          <a:p>
-            <a:pPr indent="0" lvl="0" marL="0" marR="0" rtl="0" algn="l">
-              <a:lnSpc>
-                <a:spcPct val="115000"/>
-              </a:lnSpc>
-              <a:spcBef>
-                <a:spcPts val="1200"/>
-              </a:spcBef>
-              <a:spcAft>
-                <a:spcPts val="0"/>
-              </a:spcAft>
-              <a:buNone/>
-            </a:pPr>
-            <a:r>
-              <a:rPr lang="en"/>
-              <a:t>·        Loops</a:t>
-            </a:r>
-            <a:endParaRPr/>
-          </a:p>
-          <a:p>
-            <a:pPr indent="0" lvl="0" marL="0" marR="0" rtl="0" algn="l">
-              <a:lnSpc>
-                <a:spcPct val="115000"/>
-              </a:lnSpc>
-              <a:spcBef>
-                <a:spcPts val="1200"/>
-              </a:spcBef>
-              <a:spcAft>
-                <a:spcPts val="0"/>
-              </a:spcAft>
-              <a:buNone/>
-            </a:pPr>
-            <a:r>
-              <a:rPr lang="en"/>
-              <a:t>·        Sentiment Analysis</a:t>
-            </a:r>
-            <a:endParaRPr/>
-          </a:p>
-          <a:p>
-            <a:pPr indent="0" lvl="0" marL="0" marR="0" rtl="0" algn="l">
-              <a:lnSpc>
-                <a:spcPct val="115000"/>
-              </a:lnSpc>
-              <a:spcBef>
-                <a:spcPts val="1200"/>
-              </a:spcBef>
-              <a:spcAft>
-                <a:spcPts val="0"/>
-              </a:spcAft>
-              <a:buNone/>
-            </a:pPr>
-            <a:r>
-              <a:rPr lang="en"/>
-              <a:t>·        Algorithmic trading</a:t>
-            </a:r>
-            <a:endParaRPr/>
-          </a:p>
-          <a:p>
-            <a:pPr indent="0" lvl="0" marL="0" marR="0" rtl="0" algn="l">
-              <a:lnSpc>
-                <a:spcPct val="115000"/>
-              </a:lnSpc>
-              <a:spcBef>
-                <a:spcPts val="1200"/>
-              </a:spcBef>
-              <a:spcAft>
-                <a:spcPts val="1200"/>
-              </a:spcAft>
-              <a:buNone/>
-            </a:pPr>
-            <a:r>
-              <a:t/>
-            </a:r>
-            <a:endParaRPr/>
-          </a:p>
-        </p:txBody>
-      </p:sp>
+      </p:pic>
     </p:spTree>
   </p:cSld>
   <p:clrMapOvr>
@@ -12690,7 +12777,7 @@
             </a:pPr>
             <a:r>
               <a:rPr lang="en"/>
-              <a:t>Analysis Methodology - Resources</a:t>
+              <a:t>Tesla Trade History: Hourly (2 years)</a:t>
             </a:r>
             <a:endParaRPr/>
           </a:p>
@@ -12712,8 +12799,8 @@
         </p:blipFill>
         <p:spPr>
           <a:xfrm>
-            <a:off x="139800" y="1277025"/>
-            <a:ext cx="8866151" cy="3714076"/>
+            <a:off x="600363" y="1463950"/>
+            <a:ext cx="7943275" cy="3251150"/>
           </a:xfrm>
           <a:prstGeom prst="rect">
             <a:avLst/>
@@ -12783,99 +12870,6 @@
             </a:pPr>
             <a:r>
               <a:rPr lang="en"/>
-              <a:t>Tesla Trade History: Hourly (2 years)</a:t>
-            </a:r>
-            <a:endParaRPr/>
-          </a:p>
-        </p:txBody>
-      </p:sp>
-      <p:pic>
-        <p:nvPicPr>
-          <p:cNvPr id="108" name="Google Shape;108;p20"/>
-          <p:cNvPicPr preferRelativeResize="0"/>
-          <p:nvPr/>
-        </p:nvPicPr>
-        <p:blipFill>
-          <a:blip r:embed="rId3">
-            <a:alphaModFix/>
-          </a:blip>
-          <a:stretch>
-            <a:fillRect/>
-          </a:stretch>
-        </p:blipFill>
-        <p:spPr>
-          <a:xfrm>
-            <a:off x="600363" y="1463950"/>
-            <a:ext cx="7943275" cy="3251150"/>
-          </a:xfrm>
-          <a:prstGeom prst="rect">
-            <a:avLst/>
-          </a:prstGeom>
-          <a:noFill/>
-          <a:ln>
-            <a:noFill/>
-          </a:ln>
-        </p:spPr>
-      </p:pic>
-    </p:spTree>
-  </p:cSld>
-  <p:clrMapOvr>
-    <a:masterClrMapping/>
-  </p:clrMapOvr>
-</p:sld>
-</file>
-
-<file path=ppt/slides/slide9.xml><?xml version="1.0" encoding="utf-8"?>
-<p:sld xmlns:a="http://schemas.openxmlformats.org/drawingml/2006/main" xmlns:r="http://schemas.openxmlformats.org/officeDocument/2006/relationships" xmlns:mc="http://schemas.openxmlformats.org/markup-compatibility/2006" xmlns:mv="urn:schemas-microsoft-com:mac:vml" xmlns:p="http://schemas.openxmlformats.org/presentationml/2006/main" xmlns:c="http://schemas.openxmlformats.org/drawingml/2006/chart" xmlns:dgm="http://schemas.openxmlformats.org/drawingml/2006/diagram" xmlns:o="urn:schemas-microsoft-com:office:office" xmlns:v="urn:schemas-microsoft-com:vml" xmlns:pvml="urn:schemas-microsoft-com:office:powerpoint" xmlns:com="http://schemas.openxmlformats.org/drawingml/2006/compatibility" xmlns:p14="http://schemas.microsoft.com/office/powerpoint/2010/main" xmlns:p15="http://schemas.microsoft.com/office/powerpoint/2012/main" xmlns:ahyp="http://schemas.microsoft.com/office/drawing/2018/hyperlinkcolor">
-  <p:cSld>
-    <p:spTree>
-      <p:nvGrpSpPr>
-        <p:cNvPr id="112" name="Shape 112"/>
-        <p:cNvGrpSpPr/>
-        <p:nvPr/>
-      </p:nvGrpSpPr>
-      <p:grpSpPr>
-        <a:xfrm>
-          <a:off x="0" y="0"/>
-          <a:ext cx="0" cy="0"/>
-          <a:chOff x="0" y="0"/>
-          <a:chExt cx="0" cy="0"/>
-        </a:xfrm>
-      </p:grpSpPr>
-      <p:sp>
-        <p:nvSpPr>
-          <p:cNvPr id="113" name="Google Shape;113;p21"/>
-          <p:cNvSpPr txBox="1"/>
-          <p:nvPr>
-            <p:ph type="title"/>
-          </p:nvPr>
-        </p:nvSpPr>
-        <p:spPr>
-          <a:xfrm>
-            <a:off x="311725" y="500925"/>
-            <a:ext cx="8520600" cy="623700"/>
-          </a:xfrm>
-          <a:prstGeom prst="rect">
-            <a:avLst/>
-          </a:prstGeom>
-        </p:spPr>
-        <p:txBody>
-          <a:bodyPr anchorCtr="0" anchor="t" bIns="91425" lIns="91425" spcFirstLastPara="1" rIns="91425" wrap="square" tIns="91425">
-            <a:noAutofit/>
-          </a:bodyPr>
-          <a:lstStyle/>
-          <a:p>
-            <a:pPr indent="0" lvl="0" marL="0" rtl="0" algn="l">
-              <a:spcBef>
-                <a:spcPts val="0"/>
-              </a:spcBef>
-              <a:spcAft>
-                <a:spcPts val="0"/>
-              </a:spcAft>
-              <a:buNone/>
-            </a:pPr>
-            <a:r>
-              <a:rPr lang="en"/>
               <a:t>Reddit Data	</a:t>
             </a:r>
             <a:endParaRPr/>
@@ -12884,7 +12878,7 @@
       </p:sp>
       <p:sp>
         <p:nvSpPr>
-          <p:cNvPr id="114" name="Google Shape;114;p21"/>
+          <p:cNvPr id="108" name="Google Shape;108;p20"/>
           <p:cNvSpPr txBox="1"/>
           <p:nvPr>
             <p:ph idx="4294967295" type="body"/>
@@ -12892,7 +12886,7 @@
         </p:nvSpPr>
         <p:spPr>
           <a:xfrm>
-            <a:off x="0" y="1289375"/>
+            <a:off x="210775" y="1415850"/>
             <a:ext cx="3517800" cy="3446100"/>
           </a:xfrm>
           <a:prstGeom prst="rect">
@@ -12930,7 +12924,7 @@
                 <a:cs typeface="Arial"/>
                 <a:sym typeface="Arial"/>
               </a:rPr>
-              <a:t>•Pushshift Reddit API</a:t>
+              <a:t>Pushshift Reddit API</a:t>
             </a:r>
             <a:endParaRPr b="1" sz="1150">
               <a:solidFill>
@@ -12943,7 +12937,7 @@
             </a:endParaRPr>
           </a:p>
           <a:p>
-            <a:pPr indent="0" lvl="0" marL="0" marR="0" rtl="0" algn="l">
+            <a:pPr indent="-301625" lvl="0" marL="457200" marR="0" rtl="0" algn="l">
               <a:lnSpc>
                 <a:spcPct val="115000"/>
               </a:lnSpc>
@@ -12953,20 +12947,10 @@
               <a:spcAft>
                 <a:spcPts val="0"/>
               </a:spcAft>
-              <a:buNone/>
-            </a:pPr>
-            <a:r>
-              <a:rPr b="1" lang="en" sz="1150">
-                <a:solidFill>
-                  <a:srgbClr val="A6A6A6"/>
-                </a:solidFill>
-                <a:latin typeface="Arial"/>
-                <a:ea typeface="Arial"/>
-                <a:cs typeface="Arial"/>
-                <a:sym typeface="Arial"/>
-              </a:rPr>
-              <a:t>⎼</a:t>
-            </a:r>
+              <a:buSzPts val="1150"/>
+              <a:buFont typeface="Arial"/>
+              <a:buChar char="-"/>
+            </a:pPr>
             <a:r>
               <a:rPr b="1" lang="en" sz="1150">
                 <a:solidFill>
@@ -13000,7 +12984,7 @@
             </a:endParaRPr>
           </a:p>
           <a:p>
-            <a:pPr indent="0" lvl="0" marL="0" marR="0" rtl="0" algn="l">
+            <a:pPr indent="-301625" lvl="0" marL="457200" marR="0" rtl="0" algn="l">
               <a:lnSpc>
                 <a:spcPct val="115000"/>
               </a:lnSpc>
@@ -13010,7 +12994,12 @@
               <a:spcAft>
                 <a:spcPts val="0"/>
               </a:spcAft>
-              <a:buNone/>
+              <a:buClr>
+                <a:srgbClr val="A6A6A6"/>
+              </a:buClr>
+              <a:buSzPts val="1150"/>
+              <a:buFont typeface="Arial"/>
+              <a:buChar char="-"/>
             </a:pPr>
             <a:r>
               <a:rPr b="1" lang="en" sz="1150">
@@ -13022,7 +13011,7 @@
                 <a:cs typeface="Arial"/>
                 <a:sym typeface="Arial"/>
               </a:rPr>
-              <a:t>⎼q=‘TSLA|tesla’</a:t>
+              <a:t>q=‘TSLA|tesla’</a:t>
             </a:r>
             <a:endParaRPr b="1" sz="1150">
               <a:solidFill>
@@ -13035,7 +13024,7 @@
             </a:endParaRPr>
           </a:p>
           <a:p>
-            <a:pPr indent="0" lvl="0" marL="0" marR="0" rtl="0" algn="l">
+            <a:pPr indent="-301625" lvl="0" marL="457200" marR="0" rtl="0" algn="l">
               <a:lnSpc>
                 <a:spcPct val="115000"/>
               </a:lnSpc>
@@ -13045,7 +13034,12 @@
               <a:spcAft>
                 <a:spcPts val="0"/>
               </a:spcAft>
-              <a:buNone/>
+              <a:buClr>
+                <a:srgbClr val="A6A6A6"/>
+              </a:buClr>
+              <a:buSzPts val="1150"/>
+              <a:buFont typeface="Arial"/>
+              <a:buChar char="-"/>
             </a:pPr>
             <a:r>
               <a:rPr b="1" lang="en" sz="1150">
@@ -13057,7 +13051,7 @@
                 <a:cs typeface="Arial"/>
                 <a:sym typeface="Arial"/>
               </a:rPr>
-              <a:t>⎼&gt; 01/01/2018</a:t>
+              <a:t>&gt; 01/01/2018</a:t>
             </a:r>
             <a:endParaRPr b="1" sz="1150">
               <a:solidFill>
@@ -13070,7 +13064,7 @@
             </a:endParaRPr>
           </a:p>
           <a:p>
-            <a:pPr indent="0" lvl="0" marL="0" marR="0" rtl="0" algn="l">
+            <a:pPr indent="-301625" lvl="0" marL="457200" marR="0" rtl="0" algn="l">
               <a:lnSpc>
                 <a:spcPct val="115000"/>
               </a:lnSpc>
@@ -13080,7 +13074,12 @@
               <a:spcAft>
                 <a:spcPts val="0"/>
               </a:spcAft>
-              <a:buNone/>
+              <a:buClr>
+                <a:srgbClr val="A6A6A6"/>
+              </a:buClr>
+              <a:buSzPts val="1150"/>
+              <a:buFont typeface="Arial"/>
+              <a:buChar char="-"/>
             </a:pPr>
             <a:r>
               <a:rPr b="1" lang="en" sz="1150">
@@ -13092,7 +13091,7 @@
                 <a:cs typeface="Arial"/>
                 <a:sym typeface="Arial"/>
               </a:rPr>
-              <a:t>⎼100 records per fetch</a:t>
+              <a:t>100 records per fetch</a:t>
             </a:r>
             <a:endParaRPr b="1" sz="1150">
               <a:solidFill>
@@ -13105,7 +13104,7 @@
             </a:endParaRPr>
           </a:p>
           <a:p>
-            <a:pPr indent="0" lvl="0" marL="0" marR="0" rtl="0" algn="l">
+            <a:pPr indent="-301625" lvl="0" marL="457200" marR="0" rtl="0" algn="l">
               <a:lnSpc>
                 <a:spcPct val="115000"/>
               </a:lnSpc>
@@ -13115,7 +13114,12 @@
               <a:spcAft>
                 <a:spcPts val="0"/>
               </a:spcAft>
-              <a:buNone/>
+              <a:buClr>
+                <a:srgbClr val="A6A6A6"/>
+              </a:buClr>
+              <a:buSzPts val="1150"/>
+              <a:buFont typeface="Arial"/>
+              <a:buChar char="-"/>
             </a:pPr>
             <a:r>
               <a:rPr b="1" lang="en" sz="1150">
@@ -13127,7 +13131,7 @@
                 <a:cs typeface="Arial"/>
                 <a:sym typeface="Arial"/>
               </a:rPr>
-              <a:t>⎼429 error – Too Many Requests</a:t>
+              <a:t>429 error – Too Many Requests</a:t>
             </a:r>
             <a:endParaRPr b="1" sz="1150">
               <a:solidFill>
@@ -13188,7 +13192,7 @@
                 <a:cs typeface="Arial"/>
                 <a:sym typeface="Arial"/>
               </a:rPr>
-              <a:t>•Subreddits</a:t>
+              <a:t>Subreddits</a:t>
             </a:r>
             <a:endParaRPr b="1" sz="1150">
               <a:solidFill>
@@ -13201,7 +13205,7 @@
             </a:endParaRPr>
           </a:p>
           <a:p>
-            <a:pPr indent="0" lvl="0" marL="0" marR="0" rtl="0" algn="l">
+            <a:pPr indent="-301625" lvl="0" marL="457200" marR="0" rtl="0" algn="l">
               <a:lnSpc>
                 <a:spcPct val="115000"/>
               </a:lnSpc>
@@ -13211,7 +13215,12 @@
               <a:spcAft>
                 <a:spcPts val="0"/>
               </a:spcAft>
-              <a:buNone/>
+              <a:buClr>
+                <a:srgbClr val="A6A6A6"/>
+              </a:buClr>
+              <a:buSzPts val="1150"/>
+              <a:buFont typeface="Arial"/>
+              <a:buChar char="-"/>
             </a:pPr>
             <a:r>
               <a:rPr b="1" lang="en" sz="1150">
@@ -13223,7 +13232,7 @@
                 <a:cs typeface="Arial"/>
                 <a:sym typeface="Arial"/>
               </a:rPr>
-              <a:t>⎼wallstreetbets</a:t>
+              <a:t>wallstreetbets</a:t>
             </a:r>
             <a:endParaRPr b="1" sz="1150">
               <a:solidFill>
@@ -13236,7 +13245,7 @@
             </a:endParaRPr>
           </a:p>
           <a:p>
-            <a:pPr indent="0" lvl="0" marL="0" marR="0" rtl="0" algn="l">
+            <a:pPr indent="-301625" lvl="0" marL="457200" marR="0" rtl="0" algn="l">
               <a:lnSpc>
                 <a:spcPct val="115000"/>
               </a:lnSpc>
@@ -13246,7 +13255,12 @@
               <a:spcAft>
                 <a:spcPts val="0"/>
               </a:spcAft>
-              <a:buNone/>
+              <a:buClr>
+                <a:srgbClr val="A6A6A6"/>
+              </a:buClr>
+              <a:buSzPts val="1150"/>
+              <a:buFont typeface="Arial"/>
+              <a:buChar char="-"/>
             </a:pPr>
             <a:r>
               <a:rPr b="1" lang="en" sz="1150">
@@ -13258,7 +13272,19 @@
                 <a:cs typeface="Arial"/>
                 <a:sym typeface="Arial"/>
               </a:rPr>
-              <a:t>⎼stocks</a:t>
+              <a:t>s</a:t>
+            </a:r>
+            <a:r>
+              <a:rPr b="1" lang="en" sz="1150">
+                <a:solidFill>
+                  <a:srgbClr val="A6A6A6"/>
+                </a:solidFill>
+                <a:latin typeface="Arial"/>
+                <a:ea typeface="Arial"/>
+                <a:cs typeface="Arial"/>
+                <a:sym typeface="Arial"/>
+              </a:rPr>
+              <a:t>tocks</a:t>
             </a:r>
             <a:endParaRPr b="1" sz="1150">
               <a:solidFill>
@@ -13293,7 +13319,19 @@
                 <a:cs typeface="Arial"/>
                 <a:sym typeface="Arial"/>
               </a:rPr>
-              <a:t>⎼investing</a:t>
+              <a:t>⎼i</a:t>
+            </a:r>
+            <a:r>
+              <a:rPr b="1" lang="en" sz="1150">
+                <a:solidFill>
+                  <a:srgbClr val="A6A6A6"/>
+                </a:solidFill>
+                <a:latin typeface="Arial"/>
+                <a:ea typeface="Arial"/>
+                <a:cs typeface="Arial"/>
+                <a:sym typeface="Arial"/>
+              </a:rPr>
+              <a:t>nvesting</a:t>
             </a:r>
             <a:endParaRPr b="1" sz="1150">
               <a:solidFill>
@@ -13410,7 +13448,7 @@
                   <a:srgbClr val="A6A6A6"/>
                 </a:solidFill>
               </a:rPr>
-              <a:t>•PRAW</a:t>
+              <a:t>PRAW</a:t>
             </a:r>
             <a:endParaRPr b="1" sz="1150">
               <a:solidFill>
@@ -13518,7 +13556,7 @@
       </p:sp>
       <p:pic>
         <p:nvPicPr>
-          <p:cNvPr id="115" name="Google Shape;115;p21"/>
+          <p:cNvPr id="109" name="Google Shape;109;p20"/>
           <p:cNvPicPr preferRelativeResize="0"/>
           <p:nvPr/>
         </p:nvPicPr>
@@ -13546,7 +13584,7 @@
       </p:pic>
       <p:pic>
         <p:nvPicPr>
-          <p:cNvPr id="116" name="Google Shape;116;p21"/>
+          <p:cNvPr id="110" name="Google Shape;110;p20"/>
           <p:cNvPicPr preferRelativeResize="0"/>
           <p:nvPr/>
         </p:nvPicPr>
@@ -13574,7 +13612,7 @@
       </p:pic>
       <p:pic>
         <p:nvPicPr>
-          <p:cNvPr id="117" name="Google Shape;117;p21"/>
+          <p:cNvPr id="111" name="Google Shape;111;p20"/>
           <p:cNvPicPr preferRelativeResize="0"/>
           <p:nvPr/>
         </p:nvPicPr>
@@ -13600,6 +13638,644 @@
           </a:ln>
         </p:spPr>
       </p:pic>
+      <p:pic>
+        <p:nvPicPr>
+          <p:cNvPr id="112" name="Google Shape;112;p20"/>
+          <p:cNvPicPr preferRelativeResize="0"/>
+          <p:nvPr/>
+        </p:nvPicPr>
+        <p:blipFill rotWithShape="1">
+          <a:blip r:embed="rId7">
+            <a:alphaModFix/>
+          </a:blip>
+          <a:srcRect b="-11089" l="-139290" r="139290" t="11090"/>
+          <a:stretch/>
+        </p:blipFill>
+        <p:spPr>
+          <a:xfrm>
+            <a:off x="90100" y="1352825"/>
+            <a:ext cx="2724150" cy="3867550"/>
+          </a:xfrm>
+          <a:prstGeom prst="rect">
+            <a:avLst/>
+          </a:prstGeom>
+          <a:noFill/>
+          <a:ln>
+            <a:noFill/>
+          </a:ln>
+        </p:spPr>
+      </p:pic>
+      <p:pic>
+        <p:nvPicPr>
+          <p:cNvPr id="113" name="Google Shape;113;p20"/>
+          <p:cNvPicPr preferRelativeResize="0"/>
+          <p:nvPr/>
+        </p:nvPicPr>
+        <p:blipFill>
+          <a:blip r:embed="rId8">
+            <a:alphaModFix/>
+          </a:blip>
+          <a:stretch>
+            <a:fillRect/>
+          </a:stretch>
+        </p:blipFill>
+        <p:spPr>
+          <a:xfrm>
+            <a:off x="25" y="18602"/>
+            <a:ext cx="9144000" cy="5106297"/>
+          </a:xfrm>
+          <a:prstGeom prst="rect">
+            <a:avLst/>
+          </a:prstGeom>
+          <a:noFill/>
+          <a:ln>
+            <a:noFill/>
+          </a:ln>
+        </p:spPr>
+      </p:pic>
+    </p:spTree>
+  </p:cSld>
+  <p:clrMapOvr>
+    <a:masterClrMapping/>
+  </p:clrMapOvr>
+</p:sld>
+</file>
+
+<file path=ppt/slides/slide9.xml><?xml version="1.0" encoding="utf-8"?>
+<p:sld xmlns:a="http://schemas.openxmlformats.org/drawingml/2006/main" xmlns:r="http://schemas.openxmlformats.org/officeDocument/2006/relationships" xmlns:mc="http://schemas.openxmlformats.org/markup-compatibility/2006" xmlns:mv="urn:schemas-microsoft-com:mac:vml" xmlns:p="http://schemas.openxmlformats.org/presentationml/2006/main" xmlns:c="http://schemas.openxmlformats.org/drawingml/2006/chart" xmlns:dgm="http://schemas.openxmlformats.org/drawingml/2006/diagram" xmlns:o="urn:schemas-microsoft-com:office:office" xmlns:v="urn:schemas-microsoft-com:vml" xmlns:pvml="urn:schemas-microsoft-com:office:powerpoint" xmlns:com="http://schemas.openxmlformats.org/drawingml/2006/compatibility" xmlns:p14="http://schemas.microsoft.com/office/powerpoint/2010/main" xmlns:p15="http://schemas.microsoft.com/office/powerpoint/2012/main" xmlns:ahyp="http://schemas.microsoft.com/office/drawing/2018/hyperlinkcolor">
+  <p:cSld>
+    <p:spTree>
+      <p:nvGrpSpPr>
+        <p:cNvPr id="117" name="Shape 117"/>
+        <p:cNvGrpSpPr/>
+        <p:nvPr/>
+      </p:nvGrpSpPr>
+      <p:grpSpPr>
+        <a:xfrm>
+          <a:off x="0" y="0"/>
+          <a:ext cx="0" cy="0"/>
+          <a:chOff x="0" y="0"/>
+          <a:chExt cx="0" cy="0"/>
+        </a:xfrm>
+      </p:grpSpPr>
+      <p:sp>
+        <p:nvSpPr>
+          <p:cNvPr id="118" name="Google Shape;118;p21"/>
+          <p:cNvSpPr txBox="1"/>
+          <p:nvPr>
+            <p:ph type="title"/>
+          </p:nvPr>
+        </p:nvSpPr>
+        <p:spPr>
+          <a:xfrm>
+            <a:off x="311725" y="500925"/>
+            <a:ext cx="8520600" cy="623700"/>
+          </a:xfrm>
+          <a:prstGeom prst="rect">
+            <a:avLst/>
+          </a:prstGeom>
+        </p:spPr>
+        <p:txBody>
+          <a:bodyPr anchorCtr="0" anchor="t" bIns="91425" lIns="91425" spcFirstLastPara="1" rIns="91425" wrap="square" tIns="91425">
+            <a:noAutofit/>
+          </a:bodyPr>
+          <a:lstStyle/>
+          <a:p>
+            <a:pPr indent="0" lvl="0" marL="0" rtl="0" algn="l">
+              <a:spcBef>
+                <a:spcPts val="0"/>
+              </a:spcBef>
+              <a:spcAft>
+                <a:spcPts val="0"/>
+              </a:spcAft>
+              <a:buNone/>
+            </a:pPr>
+            <a:r>
+              <a:rPr lang="en"/>
+              <a:t>Analysis Method - finding out any correlations</a:t>
+            </a:r>
+            <a:endParaRPr/>
+          </a:p>
+        </p:txBody>
+      </p:sp>
+      <p:sp>
+        <p:nvSpPr>
+          <p:cNvPr id="119" name="Google Shape;119;p21"/>
+          <p:cNvSpPr txBox="1"/>
+          <p:nvPr/>
+        </p:nvSpPr>
+        <p:spPr>
+          <a:xfrm>
+            <a:off x="311725" y="1340550"/>
+            <a:ext cx="8787300" cy="3599700"/>
+          </a:xfrm>
+          <a:prstGeom prst="rect">
+            <a:avLst/>
+          </a:prstGeom>
+          <a:noFill/>
+          <a:ln>
+            <a:noFill/>
+          </a:ln>
+        </p:spPr>
+        <p:txBody>
+          <a:bodyPr anchorCtr="0" anchor="t" bIns="91425" lIns="91425" spcFirstLastPara="1" rIns="91425" wrap="square" tIns="91425">
+            <a:noAutofit/>
+          </a:bodyPr>
+          <a:lstStyle/>
+          <a:p>
+            <a:pPr indent="-323850" lvl="0" marL="457200" rtl="0" algn="l">
+              <a:spcBef>
+                <a:spcPts val="0"/>
+              </a:spcBef>
+              <a:spcAft>
+                <a:spcPts val="0"/>
+              </a:spcAft>
+              <a:buSzPts val="1500"/>
+              <a:buFont typeface="Roboto"/>
+              <a:buAutoNum type="arabicPeriod"/>
+            </a:pPr>
+            <a:r>
+              <a:rPr b="1" lang="en" sz="1500">
+                <a:latin typeface="Roboto"/>
+                <a:ea typeface="Roboto"/>
+                <a:cs typeface="Roboto"/>
+                <a:sym typeface="Roboto"/>
+              </a:rPr>
+              <a:t>Decide which TSLA Price we use </a:t>
+            </a:r>
+            <a:endParaRPr b="1" sz="1500">
+              <a:latin typeface="Roboto"/>
+              <a:ea typeface="Roboto"/>
+              <a:cs typeface="Roboto"/>
+              <a:sym typeface="Roboto"/>
+            </a:endParaRPr>
+          </a:p>
+          <a:p>
+            <a:pPr indent="-317500" lvl="0" marL="457200" rtl="0" algn="l">
+              <a:spcBef>
+                <a:spcPts val="0"/>
+              </a:spcBef>
+              <a:spcAft>
+                <a:spcPts val="0"/>
+              </a:spcAft>
+              <a:buSzPts val="1400"/>
+              <a:buFont typeface="Roboto"/>
+              <a:buChar char="-"/>
+            </a:pPr>
+            <a:r>
+              <a:rPr lang="en">
+                <a:latin typeface="Roboto"/>
+                <a:ea typeface="Roboto"/>
+                <a:cs typeface="Roboto"/>
+                <a:sym typeface="Roboto"/>
+              </a:rPr>
+              <a:t>Daily / Hourly / 15 minutes</a:t>
+            </a:r>
+            <a:endParaRPr>
+              <a:latin typeface="Roboto"/>
+              <a:ea typeface="Roboto"/>
+              <a:cs typeface="Roboto"/>
+              <a:sym typeface="Roboto"/>
+            </a:endParaRPr>
+          </a:p>
+          <a:p>
+            <a:pPr indent="0" lvl="0" marL="457200" rtl="0" algn="l">
+              <a:spcBef>
+                <a:spcPts val="0"/>
+              </a:spcBef>
+              <a:spcAft>
+                <a:spcPts val="0"/>
+              </a:spcAft>
+              <a:buNone/>
+            </a:pPr>
+            <a:r>
+              <a:t/>
+            </a:r>
+            <a:endParaRPr b="1">
+              <a:latin typeface="Roboto"/>
+              <a:ea typeface="Roboto"/>
+              <a:cs typeface="Roboto"/>
+              <a:sym typeface="Roboto"/>
+            </a:endParaRPr>
+          </a:p>
+          <a:p>
+            <a:pPr indent="-323850" lvl="0" marL="457200" rtl="0" algn="l">
+              <a:spcBef>
+                <a:spcPts val="0"/>
+              </a:spcBef>
+              <a:spcAft>
+                <a:spcPts val="0"/>
+              </a:spcAft>
+              <a:buSzPts val="1500"/>
+              <a:buFont typeface="Roboto"/>
+              <a:buAutoNum type="arabicPeriod"/>
+            </a:pPr>
+            <a:r>
+              <a:rPr b="1" lang="en" sz="1500">
+                <a:latin typeface="Roboto"/>
+                <a:ea typeface="Roboto"/>
+                <a:cs typeface="Roboto"/>
+                <a:sym typeface="Roboto"/>
+              </a:rPr>
+              <a:t>Preparing for various Sentiment Score </a:t>
+            </a:r>
+            <a:endParaRPr b="1" sz="1500">
+              <a:latin typeface="Roboto"/>
+              <a:ea typeface="Roboto"/>
+              <a:cs typeface="Roboto"/>
+              <a:sym typeface="Roboto"/>
+            </a:endParaRPr>
+          </a:p>
+          <a:p>
+            <a:pPr indent="-317500" lvl="0" marL="457200" rtl="0" algn="l">
+              <a:spcBef>
+                <a:spcPts val="0"/>
+              </a:spcBef>
+              <a:spcAft>
+                <a:spcPts val="0"/>
+              </a:spcAft>
+              <a:buSzPts val="1400"/>
+              <a:buFont typeface="Roboto"/>
+              <a:buChar char="-"/>
+            </a:pPr>
+            <a:r>
+              <a:rPr lang="en">
+                <a:latin typeface="Roboto"/>
+                <a:ea typeface="Roboto"/>
+                <a:cs typeface="Roboto"/>
+                <a:sym typeface="Roboto"/>
+              </a:rPr>
+              <a:t>Subjectivity and Polarity scores from TextBlob</a:t>
+            </a:r>
+            <a:endParaRPr>
+              <a:latin typeface="Roboto"/>
+              <a:ea typeface="Roboto"/>
+              <a:cs typeface="Roboto"/>
+              <a:sym typeface="Roboto"/>
+            </a:endParaRPr>
+          </a:p>
+          <a:p>
+            <a:pPr indent="-317500" lvl="0" marL="457200" rtl="0" algn="l">
+              <a:spcBef>
+                <a:spcPts val="0"/>
+              </a:spcBef>
+              <a:spcAft>
+                <a:spcPts val="0"/>
+              </a:spcAft>
+              <a:buSzPts val="1400"/>
+              <a:buFont typeface="Roboto"/>
+              <a:buChar char="-"/>
+            </a:pPr>
+            <a:r>
+              <a:rPr lang="en">
+                <a:latin typeface="Roboto"/>
+                <a:ea typeface="Roboto"/>
+                <a:cs typeface="Roboto"/>
+                <a:sym typeface="Roboto"/>
+              </a:rPr>
+              <a:t>Going straight with Polarity score only</a:t>
+            </a:r>
+            <a:endParaRPr>
+              <a:latin typeface="Roboto"/>
+              <a:ea typeface="Roboto"/>
+              <a:cs typeface="Roboto"/>
+              <a:sym typeface="Roboto"/>
+            </a:endParaRPr>
+          </a:p>
+          <a:p>
+            <a:pPr indent="-317500" lvl="0" marL="457200" rtl="0" algn="l">
+              <a:spcBef>
+                <a:spcPts val="0"/>
+              </a:spcBef>
+              <a:spcAft>
+                <a:spcPts val="0"/>
+              </a:spcAft>
+              <a:buSzPts val="1400"/>
+              <a:buFont typeface="Roboto"/>
+              <a:buChar char="-"/>
+            </a:pPr>
+            <a:r>
+              <a:rPr lang="en">
+                <a:latin typeface="Roboto"/>
+                <a:ea typeface="Roboto"/>
+                <a:cs typeface="Roboto"/>
+                <a:sym typeface="Roboto"/>
+              </a:rPr>
+              <a:t>Or tweaking and combining with Subjectivity score by filtering or weighting  </a:t>
+            </a:r>
+            <a:endParaRPr>
+              <a:latin typeface="Roboto"/>
+              <a:ea typeface="Roboto"/>
+              <a:cs typeface="Roboto"/>
+              <a:sym typeface="Roboto"/>
+            </a:endParaRPr>
+          </a:p>
+          <a:p>
+            <a:pPr indent="-88900" lvl="0" marL="685800" rtl="0" algn="l">
+              <a:spcBef>
+                <a:spcPts val="0"/>
+              </a:spcBef>
+              <a:spcAft>
+                <a:spcPts val="0"/>
+              </a:spcAft>
+              <a:buSzPts val="1400"/>
+              <a:buFont typeface="Roboto"/>
+              <a:buAutoNum type="alphaLcPeriod"/>
+            </a:pPr>
+            <a:r>
+              <a:rPr lang="en">
+                <a:latin typeface="Roboto"/>
+                <a:ea typeface="Roboto"/>
+                <a:cs typeface="Roboto"/>
+                <a:sym typeface="Roboto"/>
+              </a:rPr>
+              <a:t>    </a:t>
+            </a:r>
+            <a:r>
+              <a:rPr lang="en" sz="1200">
+                <a:latin typeface="Roboto"/>
+                <a:ea typeface="Roboto"/>
+                <a:cs typeface="Roboto"/>
+                <a:sym typeface="Roboto"/>
+              </a:rPr>
+              <a:t> Simply taking more objective texts only (i.e. dropping out texts w/ Subjectivity &gt; 0.4) </a:t>
+            </a:r>
+            <a:endParaRPr sz="1200">
+              <a:latin typeface="Roboto"/>
+              <a:ea typeface="Roboto"/>
+              <a:cs typeface="Roboto"/>
+              <a:sym typeface="Roboto"/>
+            </a:endParaRPr>
+          </a:p>
+          <a:p>
+            <a:pPr indent="-304800" lvl="0" marL="914400" rtl="0" algn="l">
+              <a:spcBef>
+                <a:spcPts val="0"/>
+              </a:spcBef>
+              <a:spcAft>
+                <a:spcPts val="0"/>
+              </a:spcAft>
+              <a:buSzPts val="1200"/>
+              <a:buFont typeface="Roboto"/>
+              <a:buAutoNum type="alphaLcPeriod"/>
+            </a:pPr>
+            <a:r>
+              <a:rPr lang="en" sz="1200">
+                <a:latin typeface="Roboto"/>
+                <a:ea typeface="Roboto"/>
+                <a:cs typeface="Roboto"/>
+                <a:sym typeface="Roboto"/>
+              </a:rPr>
+              <a:t>Creating adj. Polarity score by weighting on subjectivity</a:t>
+            </a:r>
+            <a:endParaRPr sz="1200">
+              <a:latin typeface="Roboto"/>
+              <a:ea typeface="Roboto"/>
+              <a:cs typeface="Roboto"/>
+              <a:sym typeface="Roboto"/>
+            </a:endParaRPr>
+          </a:p>
+          <a:p>
+            <a:pPr indent="0" lvl="0" marL="0" rtl="0" algn="l">
+              <a:spcBef>
+                <a:spcPts val="0"/>
+              </a:spcBef>
+              <a:spcAft>
+                <a:spcPts val="0"/>
+              </a:spcAft>
+              <a:buNone/>
+            </a:pPr>
+            <a:r>
+              <a:rPr lang="en" sz="1200">
+                <a:latin typeface="Roboto"/>
+                <a:ea typeface="Roboto"/>
+                <a:cs typeface="Roboto"/>
+                <a:sym typeface="Roboto"/>
+              </a:rPr>
+              <a:t>                        If  0 &lt;= Subjectivity score &lt;= 0.2  ⇒ 140% * Polarity score</a:t>
+            </a:r>
+            <a:endParaRPr sz="1200">
+              <a:latin typeface="Roboto"/>
+              <a:ea typeface="Roboto"/>
+              <a:cs typeface="Roboto"/>
+              <a:sym typeface="Roboto"/>
+            </a:endParaRPr>
+          </a:p>
+          <a:p>
+            <a:pPr indent="0" lvl="0" marL="0" rtl="0" algn="l">
+              <a:spcBef>
+                <a:spcPts val="0"/>
+              </a:spcBef>
+              <a:spcAft>
+                <a:spcPts val="0"/>
+              </a:spcAft>
+              <a:buNone/>
+            </a:pPr>
+            <a:r>
+              <a:rPr lang="en" sz="1200">
+                <a:latin typeface="Roboto"/>
+                <a:ea typeface="Roboto"/>
+                <a:cs typeface="Roboto"/>
+                <a:sym typeface="Roboto"/>
+              </a:rPr>
+              <a:t>                             0.2&lt; </a:t>
+            </a:r>
+            <a:r>
+              <a:rPr lang="en" sz="1200">
+                <a:latin typeface="Roboto"/>
+                <a:ea typeface="Roboto"/>
+                <a:cs typeface="Roboto"/>
+                <a:sym typeface="Roboto"/>
+              </a:rPr>
+              <a:t>Subjectivity score &lt;= 0.4  ⇒ 120% * Polarity score and so on.</a:t>
+            </a:r>
+            <a:endParaRPr sz="1200">
+              <a:latin typeface="Roboto"/>
+              <a:ea typeface="Roboto"/>
+              <a:cs typeface="Roboto"/>
+              <a:sym typeface="Roboto"/>
+            </a:endParaRPr>
+          </a:p>
+          <a:p>
+            <a:pPr indent="0" lvl="0" marL="0" rtl="0" algn="l">
+              <a:spcBef>
+                <a:spcPts val="0"/>
+              </a:spcBef>
+              <a:spcAft>
+                <a:spcPts val="0"/>
+              </a:spcAft>
+              <a:buNone/>
+            </a:pPr>
+            <a:r>
+              <a:t/>
+            </a:r>
+            <a:endParaRPr>
+              <a:latin typeface="Roboto"/>
+              <a:ea typeface="Roboto"/>
+              <a:cs typeface="Roboto"/>
+              <a:sym typeface="Roboto"/>
+            </a:endParaRPr>
+          </a:p>
+          <a:p>
+            <a:pPr indent="-317500" lvl="0" marL="457200" rtl="0" algn="l">
+              <a:spcBef>
+                <a:spcPts val="0"/>
+              </a:spcBef>
+              <a:spcAft>
+                <a:spcPts val="0"/>
+              </a:spcAft>
+              <a:buSzPts val="1400"/>
+              <a:buFont typeface="Roboto"/>
+              <a:buChar char="-"/>
+            </a:pPr>
+            <a:r>
+              <a:rPr lang="en">
+                <a:latin typeface="Roboto"/>
+                <a:ea typeface="Roboto"/>
+                <a:cs typeface="Roboto"/>
+                <a:sym typeface="Roboto"/>
+              </a:rPr>
+              <a:t>Grouping scores by daily/hourly/15 mins by taking mean, sum, count, first and last</a:t>
+            </a:r>
+            <a:endParaRPr>
+              <a:latin typeface="Roboto"/>
+              <a:ea typeface="Roboto"/>
+              <a:cs typeface="Roboto"/>
+              <a:sym typeface="Roboto"/>
+            </a:endParaRPr>
+          </a:p>
+          <a:p>
+            <a:pPr indent="0" lvl="0" marL="0" rtl="0" algn="l">
+              <a:spcBef>
+                <a:spcPts val="0"/>
+              </a:spcBef>
+              <a:spcAft>
+                <a:spcPts val="0"/>
+              </a:spcAft>
+              <a:buNone/>
+            </a:pPr>
+            <a:r>
+              <a:rPr b="1" lang="en">
+                <a:latin typeface="Roboto"/>
+                <a:ea typeface="Roboto"/>
+                <a:cs typeface="Roboto"/>
+                <a:sym typeface="Roboto"/>
+              </a:rPr>
+              <a:t> </a:t>
+            </a:r>
+            <a:endParaRPr b="1">
+              <a:latin typeface="Roboto"/>
+              <a:ea typeface="Roboto"/>
+              <a:cs typeface="Roboto"/>
+              <a:sym typeface="Roboto"/>
+            </a:endParaRPr>
+          </a:p>
+          <a:p>
+            <a:pPr indent="-317500" lvl="0" marL="457200" rtl="0" algn="l">
+              <a:spcBef>
+                <a:spcPts val="0"/>
+              </a:spcBef>
+              <a:spcAft>
+                <a:spcPts val="0"/>
+              </a:spcAft>
+              <a:buSzPts val="1400"/>
+              <a:buFont typeface="Roboto"/>
+              <a:buAutoNum type="arabicPeriod"/>
+            </a:pPr>
+            <a:r>
+              <a:rPr b="1" lang="en">
+                <a:latin typeface="Roboto"/>
+                <a:ea typeface="Roboto"/>
+                <a:cs typeface="Roboto"/>
+                <a:sym typeface="Roboto"/>
+              </a:rPr>
+              <a:t>Comparing the analysis by market hours</a:t>
+            </a:r>
+            <a:endParaRPr b="1">
+              <a:latin typeface="Roboto"/>
+              <a:ea typeface="Roboto"/>
+              <a:cs typeface="Roboto"/>
+              <a:sym typeface="Roboto"/>
+            </a:endParaRPr>
+          </a:p>
+          <a:p>
+            <a:pPr indent="-317500" lvl="0" marL="457200" rtl="0" algn="l">
+              <a:spcBef>
+                <a:spcPts val="0"/>
+              </a:spcBef>
+              <a:spcAft>
+                <a:spcPts val="0"/>
+              </a:spcAft>
+              <a:buSzPts val="1400"/>
+              <a:buFont typeface="Roboto"/>
+              <a:buChar char="-"/>
+            </a:pPr>
+            <a:r>
+              <a:rPr lang="en">
+                <a:latin typeface="Roboto"/>
+                <a:ea typeface="Roboto"/>
+                <a:cs typeface="Roboto"/>
+                <a:sym typeface="Roboto"/>
+              </a:rPr>
+              <a:t>Analyze all texts regardless of on and off market hours or</a:t>
+            </a:r>
+            <a:endParaRPr>
+              <a:latin typeface="Roboto"/>
+              <a:ea typeface="Roboto"/>
+              <a:cs typeface="Roboto"/>
+              <a:sym typeface="Roboto"/>
+            </a:endParaRPr>
+          </a:p>
+          <a:p>
+            <a:pPr indent="-317500" lvl="0" marL="457200" rtl="0" algn="l">
+              <a:spcBef>
+                <a:spcPts val="0"/>
+              </a:spcBef>
+              <a:spcAft>
+                <a:spcPts val="0"/>
+              </a:spcAft>
+              <a:buSzPts val="1400"/>
+              <a:buFont typeface="Roboto"/>
+              <a:buChar char="-"/>
+            </a:pPr>
+            <a:r>
+              <a:rPr lang="en">
+                <a:latin typeface="Roboto"/>
+                <a:ea typeface="Roboto"/>
+                <a:cs typeface="Roboto"/>
+                <a:sym typeface="Roboto"/>
+              </a:rPr>
+              <a:t>Analyze only texts posted within market hours </a:t>
+            </a:r>
+            <a:endParaRPr>
+              <a:latin typeface="Roboto"/>
+              <a:ea typeface="Roboto"/>
+              <a:cs typeface="Roboto"/>
+              <a:sym typeface="Roboto"/>
+            </a:endParaRPr>
+          </a:p>
+          <a:p>
+            <a:pPr indent="0" lvl="0" marL="0" rtl="0" algn="l">
+              <a:spcBef>
+                <a:spcPts val="0"/>
+              </a:spcBef>
+              <a:spcAft>
+                <a:spcPts val="0"/>
+              </a:spcAft>
+              <a:buNone/>
+            </a:pPr>
+            <a:r>
+              <a:t/>
+            </a:r>
+            <a:endParaRPr>
+              <a:latin typeface="Roboto"/>
+              <a:ea typeface="Roboto"/>
+              <a:cs typeface="Roboto"/>
+              <a:sym typeface="Roboto"/>
+            </a:endParaRPr>
+          </a:p>
+        </p:txBody>
+      </p:sp>
     </p:spTree>
   </p:cSld>
   <p:clrMapOvr>
